--- a/doc/poster.pptx
+++ b/doc/poster.pptx
@@ -2,16 +2,22 @@
 <file path=ppt/presentation.xml><?xml version="1.0" encoding="utf-8"?>
 <p:presentation xmlns:a="http://schemas.openxmlformats.org/drawingml/2006/main" xmlns:r="http://schemas.openxmlformats.org/officeDocument/2006/relationships" xmlns:p="http://schemas.openxmlformats.org/presentationml/2006/main" saveSubsetFonts="1">
   <p:sldMasterIdLst>
-    <p:sldMasterId id="2147483648" r:id="rId1"/>
+    <p:sldMasterId id="2147483660" r:id="rId1"/>
   </p:sldMasterIdLst>
-  <p:sldSz cx="9144000" cy="6858000" type="screen4x3"/>
+  <p:notesMasterIdLst>
+    <p:notesMasterId r:id="rId3"/>
+  </p:notesMasterIdLst>
+  <p:sldIdLst>
+    <p:sldId id="256" r:id="rId2"/>
+  </p:sldIdLst>
+  <p:sldSz cx="9601200" cy="12801600" type="A3"/>
   <p:notesSz cx="6858000" cy="9144000"/>
   <p:defaultTextStyle>
     <a:defPPr>
       <a:defRPr lang="en-US"/>
     </a:defPPr>
-    <a:lvl1pPr marL="0" algn="l" defTabSz="914400" rtl="0" eaLnBrk="1" latinLnBrk="0" hangingPunct="1">
-      <a:defRPr sz="1800" kern="1200">
+    <a:lvl1pPr marL="0" algn="l" defTabSz="1280160" rtl="0" eaLnBrk="1" latinLnBrk="0" hangingPunct="1">
+      <a:defRPr sz="2500" kern="1200">
         <a:solidFill>
           <a:schemeClr val="tx1"/>
         </a:solidFill>
@@ -20,8 +26,8 @@
         <a:cs typeface="+mn-cs"/>
       </a:defRPr>
     </a:lvl1pPr>
-    <a:lvl2pPr marL="457200" algn="l" defTabSz="914400" rtl="0" eaLnBrk="1" latinLnBrk="0" hangingPunct="1">
-      <a:defRPr sz="1800" kern="1200">
+    <a:lvl2pPr marL="640080" algn="l" defTabSz="1280160" rtl="0" eaLnBrk="1" latinLnBrk="0" hangingPunct="1">
+      <a:defRPr sz="2500" kern="1200">
         <a:solidFill>
           <a:schemeClr val="tx1"/>
         </a:solidFill>
@@ -30,8 +36,8 @@
         <a:cs typeface="+mn-cs"/>
       </a:defRPr>
     </a:lvl2pPr>
-    <a:lvl3pPr marL="914400" algn="l" defTabSz="914400" rtl="0" eaLnBrk="1" latinLnBrk="0" hangingPunct="1">
-      <a:defRPr sz="1800" kern="1200">
+    <a:lvl3pPr marL="1280160" algn="l" defTabSz="1280160" rtl="0" eaLnBrk="1" latinLnBrk="0" hangingPunct="1">
+      <a:defRPr sz="2500" kern="1200">
         <a:solidFill>
           <a:schemeClr val="tx1"/>
         </a:solidFill>
@@ -40,8 +46,8 @@
         <a:cs typeface="+mn-cs"/>
       </a:defRPr>
     </a:lvl3pPr>
-    <a:lvl4pPr marL="1371600" algn="l" defTabSz="914400" rtl="0" eaLnBrk="1" latinLnBrk="0" hangingPunct="1">
-      <a:defRPr sz="1800" kern="1200">
+    <a:lvl4pPr marL="1920240" algn="l" defTabSz="1280160" rtl="0" eaLnBrk="1" latinLnBrk="0" hangingPunct="1">
+      <a:defRPr sz="2500" kern="1200">
         <a:solidFill>
           <a:schemeClr val="tx1"/>
         </a:solidFill>
@@ -50,8 +56,8 @@
         <a:cs typeface="+mn-cs"/>
       </a:defRPr>
     </a:lvl4pPr>
-    <a:lvl5pPr marL="1828800" algn="l" defTabSz="914400" rtl="0" eaLnBrk="1" latinLnBrk="0" hangingPunct="1">
-      <a:defRPr sz="1800" kern="1200">
+    <a:lvl5pPr marL="2560320" algn="l" defTabSz="1280160" rtl="0" eaLnBrk="1" latinLnBrk="0" hangingPunct="1">
+      <a:defRPr sz="2500" kern="1200">
         <a:solidFill>
           <a:schemeClr val="tx1"/>
         </a:solidFill>
@@ -60,8 +66,8 @@
         <a:cs typeface="+mn-cs"/>
       </a:defRPr>
     </a:lvl5pPr>
-    <a:lvl6pPr marL="2286000" algn="l" defTabSz="914400" rtl="0" eaLnBrk="1" latinLnBrk="0" hangingPunct="1">
-      <a:defRPr sz="1800" kern="1200">
+    <a:lvl6pPr marL="3200400" algn="l" defTabSz="1280160" rtl="0" eaLnBrk="1" latinLnBrk="0" hangingPunct="1">
+      <a:defRPr sz="2500" kern="1200">
         <a:solidFill>
           <a:schemeClr val="tx1"/>
         </a:solidFill>
@@ -70,8 +76,8 @@
         <a:cs typeface="+mn-cs"/>
       </a:defRPr>
     </a:lvl6pPr>
-    <a:lvl7pPr marL="2743200" algn="l" defTabSz="914400" rtl="0" eaLnBrk="1" latinLnBrk="0" hangingPunct="1">
-      <a:defRPr sz="1800" kern="1200">
+    <a:lvl7pPr marL="3840480" algn="l" defTabSz="1280160" rtl="0" eaLnBrk="1" latinLnBrk="0" hangingPunct="1">
+      <a:defRPr sz="2500" kern="1200">
         <a:solidFill>
           <a:schemeClr val="tx1"/>
         </a:solidFill>
@@ -80,8 +86,8 @@
         <a:cs typeface="+mn-cs"/>
       </a:defRPr>
     </a:lvl7pPr>
-    <a:lvl8pPr marL="3200400" algn="l" defTabSz="914400" rtl="0" eaLnBrk="1" latinLnBrk="0" hangingPunct="1">
-      <a:defRPr sz="1800" kern="1200">
+    <a:lvl8pPr marL="4480560" algn="l" defTabSz="1280160" rtl="0" eaLnBrk="1" latinLnBrk="0" hangingPunct="1">
+      <a:defRPr sz="2500" kern="1200">
         <a:solidFill>
           <a:schemeClr val="tx1"/>
         </a:solidFill>
@@ -90,8 +96,8 @@
         <a:cs typeface="+mn-cs"/>
       </a:defRPr>
     </a:lvl8pPr>
-    <a:lvl9pPr marL="3657600" algn="l" defTabSz="914400" rtl="0" eaLnBrk="1" latinLnBrk="0" hangingPunct="1">
-      <a:defRPr sz="1800" kern="1200">
+    <a:lvl9pPr marL="5120640" algn="l" defTabSz="1280160" rtl="0" eaLnBrk="1" latinLnBrk="0" hangingPunct="1">
+      <a:defRPr sz="2500" kern="1200">
         <a:solidFill>
           <a:schemeClr val="tx1"/>
         </a:solidFill>
@@ -102,6 +108,440 @@
     </a:lvl9pPr>
   </p:defaultTextStyle>
 </p:presentation>
+</file>
+
+<file path=ppt/notesMasters/notesMaster1.xml><?xml version="1.0" encoding="utf-8"?>
+<p:notesMaster xmlns:a="http://schemas.openxmlformats.org/drawingml/2006/main" xmlns:r="http://schemas.openxmlformats.org/officeDocument/2006/relationships" xmlns:p="http://schemas.openxmlformats.org/presentationml/2006/main">
+  <p:cSld>
+    <p:bg>
+      <p:bgRef idx="1001">
+        <a:schemeClr val="bg1"/>
+      </p:bgRef>
+    </p:bg>
+    <p:spTree>
+      <p:nvGrpSpPr>
+        <p:cNvPr id="1" name=""/>
+        <p:cNvGrpSpPr/>
+        <p:nvPr/>
+      </p:nvGrpSpPr>
+      <p:grpSpPr>
+        <a:xfrm>
+          <a:off x="0" y="0"/>
+          <a:ext cx="0" cy="0"/>
+          <a:chOff x="0" y="0"/>
+          <a:chExt cx="0" cy="0"/>
+        </a:xfrm>
+      </p:grpSpPr>
+      <p:sp>
+        <p:nvSpPr>
+          <p:cNvPr id="2" name="Header Placeholder 1"/>
+          <p:cNvSpPr>
+            <a:spLocks noGrp="1"/>
+          </p:cNvSpPr>
+          <p:nvPr>
+            <p:ph type="hdr" sz="quarter"/>
+          </p:nvPr>
+        </p:nvSpPr>
+        <p:spPr>
+          <a:xfrm>
+            <a:off x="0" y="0"/>
+            <a:ext cx="2971800" cy="457200"/>
+          </a:xfrm>
+          <a:prstGeom prst="rect">
+            <a:avLst/>
+          </a:prstGeom>
+        </p:spPr>
+        <p:txBody>
+          <a:bodyPr vert="horz" lIns="91440" tIns="45720" rIns="91440" bIns="45720" rtlCol="0"/>
+          <a:lstStyle>
+            <a:lvl1pPr algn="l">
+              <a:defRPr sz="1200"/>
+            </a:lvl1pPr>
+          </a:lstStyle>
+          <a:p>
+            <a:endParaRPr lang="et-EE"/>
+          </a:p>
+        </p:txBody>
+      </p:sp>
+      <p:sp>
+        <p:nvSpPr>
+          <p:cNvPr id="3" name="Date Placeholder 2"/>
+          <p:cNvSpPr>
+            <a:spLocks noGrp="1"/>
+          </p:cNvSpPr>
+          <p:nvPr>
+            <p:ph type="dt" idx="1"/>
+          </p:nvPr>
+        </p:nvSpPr>
+        <p:spPr>
+          <a:xfrm>
+            <a:off x="3884613" y="0"/>
+            <a:ext cx="2971800" cy="457200"/>
+          </a:xfrm>
+          <a:prstGeom prst="rect">
+            <a:avLst/>
+          </a:prstGeom>
+        </p:spPr>
+        <p:txBody>
+          <a:bodyPr vert="horz" lIns="91440" tIns="45720" rIns="91440" bIns="45720" rtlCol="0"/>
+          <a:lstStyle>
+            <a:lvl1pPr algn="r">
+              <a:defRPr sz="1200"/>
+            </a:lvl1pPr>
+          </a:lstStyle>
+          <a:p>
+            <a:fld id="{1BF7E5C4-7F2E-408B-A6B0-33DB6759C1E3}" type="datetimeFigureOut">
+              <a:rPr lang="et-EE" smtClean="0"/>
+              <a:t>1.02.2015</a:t>
+            </a:fld>
+            <a:endParaRPr lang="et-EE"/>
+          </a:p>
+        </p:txBody>
+      </p:sp>
+      <p:sp>
+        <p:nvSpPr>
+          <p:cNvPr id="4" name="Slide Image Placeholder 3"/>
+          <p:cNvSpPr>
+            <a:spLocks noGrp="1" noRot="1" noChangeAspect="1"/>
+          </p:cNvSpPr>
+          <p:nvPr>
+            <p:ph type="sldImg" idx="2"/>
+          </p:nvPr>
+        </p:nvSpPr>
+        <p:spPr>
+          <a:xfrm>
+            <a:off x="2143125" y="685800"/>
+            <a:ext cx="2571750" cy="3429000"/>
+          </a:xfrm>
+          <a:prstGeom prst="rect">
+            <a:avLst/>
+          </a:prstGeom>
+          <a:noFill/>
+          <a:ln w="12700">
+            <a:solidFill>
+              <a:prstClr val="black"/>
+            </a:solidFill>
+          </a:ln>
+        </p:spPr>
+        <p:txBody>
+          <a:bodyPr vert="horz" lIns="91440" tIns="45720" rIns="91440" bIns="45720" rtlCol="0" anchor="ctr"/>
+          <a:lstStyle/>
+          <a:p>
+            <a:endParaRPr lang="et-EE"/>
+          </a:p>
+        </p:txBody>
+      </p:sp>
+      <p:sp>
+        <p:nvSpPr>
+          <p:cNvPr id="5" name="Notes Placeholder 4"/>
+          <p:cNvSpPr>
+            <a:spLocks noGrp="1"/>
+          </p:cNvSpPr>
+          <p:nvPr>
+            <p:ph type="body" sz="quarter" idx="3"/>
+          </p:nvPr>
+        </p:nvSpPr>
+        <p:spPr>
+          <a:xfrm>
+            <a:off x="685800" y="4343400"/>
+            <a:ext cx="5486400" cy="4114800"/>
+          </a:xfrm>
+          <a:prstGeom prst="rect">
+            <a:avLst/>
+          </a:prstGeom>
+        </p:spPr>
+        <p:txBody>
+          <a:bodyPr vert="horz" lIns="91440" tIns="45720" rIns="91440" bIns="45720" rtlCol="0"/>
+          <a:lstStyle/>
+          <a:p>
+            <a:pPr lvl="0"/>
+            <a:r>
+              <a:rPr lang="en-US" smtClean="0"/>
+              <a:t>Click to edit Master text styles</a:t>
+            </a:r>
+          </a:p>
+          <a:p>
+            <a:pPr lvl="1"/>
+            <a:r>
+              <a:rPr lang="en-US" smtClean="0"/>
+              <a:t>Second level</a:t>
+            </a:r>
+          </a:p>
+          <a:p>
+            <a:pPr lvl="2"/>
+            <a:r>
+              <a:rPr lang="en-US" smtClean="0"/>
+              <a:t>Third level</a:t>
+            </a:r>
+          </a:p>
+          <a:p>
+            <a:pPr lvl="3"/>
+            <a:r>
+              <a:rPr lang="en-US" smtClean="0"/>
+              <a:t>Fourth level</a:t>
+            </a:r>
+          </a:p>
+          <a:p>
+            <a:pPr lvl="4"/>
+            <a:r>
+              <a:rPr lang="en-US" smtClean="0"/>
+              <a:t>Fifth level</a:t>
+            </a:r>
+            <a:endParaRPr lang="et-EE"/>
+          </a:p>
+        </p:txBody>
+      </p:sp>
+      <p:sp>
+        <p:nvSpPr>
+          <p:cNvPr id="6" name="Footer Placeholder 5"/>
+          <p:cNvSpPr>
+            <a:spLocks noGrp="1"/>
+          </p:cNvSpPr>
+          <p:nvPr>
+            <p:ph type="ftr" sz="quarter" idx="4"/>
+          </p:nvPr>
+        </p:nvSpPr>
+        <p:spPr>
+          <a:xfrm>
+            <a:off x="0" y="8685213"/>
+            <a:ext cx="2971800" cy="457200"/>
+          </a:xfrm>
+          <a:prstGeom prst="rect">
+            <a:avLst/>
+          </a:prstGeom>
+        </p:spPr>
+        <p:txBody>
+          <a:bodyPr vert="horz" lIns="91440" tIns="45720" rIns="91440" bIns="45720" rtlCol="0" anchor="b"/>
+          <a:lstStyle>
+            <a:lvl1pPr algn="l">
+              <a:defRPr sz="1200"/>
+            </a:lvl1pPr>
+          </a:lstStyle>
+          <a:p>
+            <a:endParaRPr lang="et-EE"/>
+          </a:p>
+        </p:txBody>
+      </p:sp>
+      <p:sp>
+        <p:nvSpPr>
+          <p:cNvPr id="7" name="Slide Number Placeholder 6"/>
+          <p:cNvSpPr>
+            <a:spLocks noGrp="1"/>
+          </p:cNvSpPr>
+          <p:nvPr>
+            <p:ph type="sldNum" sz="quarter" idx="5"/>
+          </p:nvPr>
+        </p:nvSpPr>
+        <p:spPr>
+          <a:xfrm>
+            <a:off x="3884613" y="8685213"/>
+            <a:ext cx="2971800" cy="457200"/>
+          </a:xfrm>
+          <a:prstGeom prst="rect">
+            <a:avLst/>
+          </a:prstGeom>
+        </p:spPr>
+        <p:txBody>
+          <a:bodyPr vert="horz" lIns="91440" tIns="45720" rIns="91440" bIns="45720" rtlCol="0" anchor="b"/>
+          <a:lstStyle>
+            <a:lvl1pPr algn="r">
+              <a:defRPr sz="1200"/>
+            </a:lvl1pPr>
+          </a:lstStyle>
+          <a:p>
+            <a:fld id="{31AA2012-F5AE-41F8-824E-D2916F3B2DBE}" type="slidenum">
+              <a:rPr lang="et-EE" smtClean="0"/>
+              <a:t>‹#›</a:t>
+            </a:fld>
+            <a:endParaRPr lang="et-EE"/>
+          </a:p>
+        </p:txBody>
+      </p:sp>
+    </p:spTree>
+    <p:extLst>
+      <p:ext uri="{BB962C8B-B14F-4D97-AF65-F5344CB8AC3E}">
+        <p14:creationId xmlns:p14="http://schemas.microsoft.com/office/powerpoint/2010/main" val="3521073561"/>
+      </p:ext>
+    </p:extLst>
+  </p:cSld>
+  <p:clrMap bg1="lt1" tx1="dk1" bg2="lt2" tx2="dk2" accent1="accent1" accent2="accent2" accent3="accent3" accent4="accent4" accent5="accent5" accent6="accent6" hlink="hlink" folHlink="folHlink"/>
+  <p:notesStyle>
+    <a:lvl1pPr marL="0" algn="l" defTabSz="1280160" rtl="0" eaLnBrk="1" latinLnBrk="0" hangingPunct="1">
+      <a:defRPr sz="1700" kern="1200">
+        <a:solidFill>
+          <a:schemeClr val="tx1"/>
+        </a:solidFill>
+        <a:latin typeface="+mn-lt"/>
+        <a:ea typeface="+mn-ea"/>
+        <a:cs typeface="+mn-cs"/>
+      </a:defRPr>
+    </a:lvl1pPr>
+    <a:lvl2pPr marL="640080" algn="l" defTabSz="1280160" rtl="0" eaLnBrk="1" latinLnBrk="0" hangingPunct="1">
+      <a:defRPr sz="1700" kern="1200">
+        <a:solidFill>
+          <a:schemeClr val="tx1"/>
+        </a:solidFill>
+        <a:latin typeface="+mn-lt"/>
+        <a:ea typeface="+mn-ea"/>
+        <a:cs typeface="+mn-cs"/>
+      </a:defRPr>
+    </a:lvl2pPr>
+    <a:lvl3pPr marL="1280160" algn="l" defTabSz="1280160" rtl="0" eaLnBrk="1" latinLnBrk="0" hangingPunct="1">
+      <a:defRPr sz="1700" kern="1200">
+        <a:solidFill>
+          <a:schemeClr val="tx1"/>
+        </a:solidFill>
+        <a:latin typeface="+mn-lt"/>
+        <a:ea typeface="+mn-ea"/>
+        <a:cs typeface="+mn-cs"/>
+      </a:defRPr>
+    </a:lvl3pPr>
+    <a:lvl4pPr marL="1920240" algn="l" defTabSz="1280160" rtl="0" eaLnBrk="1" latinLnBrk="0" hangingPunct="1">
+      <a:defRPr sz="1700" kern="1200">
+        <a:solidFill>
+          <a:schemeClr val="tx1"/>
+        </a:solidFill>
+        <a:latin typeface="+mn-lt"/>
+        <a:ea typeface="+mn-ea"/>
+        <a:cs typeface="+mn-cs"/>
+      </a:defRPr>
+    </a:lvl4pPr>
+    <a:lvl5pPr marL="2560320" algn="l" defTabSz="1280160" rtl="0" eaLnBrk="1" latinLnBrk="0" hangingPunct="1">
+      <a:defRPr sz="1700" kern="1200">
+        <a:solidFill>
+          <a:schemeClr val="tx1"/>
+        </a:solidFill>
+        <a:latin typeface="+mn-lt"/>
+        <a:ea typeface="+mn-ea"/>
+        <a:cs typeface="+mn-cs"/>
+      </a:defRPr>
+    </a:lvl5pPr>
+    <a:lvl6pPr marL="3200400" algn="l" defTabSz="1280160" rtl="0" eaLnBrk="1" latinLnBrk="0" hangingPunct="1">
+      <a:defRPr sz="1700" kern="1200">
+        <a:solidFill>
+          <a:schemeClr val="tx1"/>
+        </a:solidFill>
+        <a:latin typeface="+mn-lt"/>
+        <a:ea typeface="+mn-ea"/>
+        <a:cs typeface="+mn-cs"/>
+      </a:defRPr>
+    </a:lvl6pPr>
+    <a:lvl7pPr marL="3840480" algn="l" defTabSz="1280160" rtl="0" eaLnBrk="1" latinLnBrk="0" hangingPunct="1">
+      <a:defRPr sz="1700" kern="1200">
+        <a:solidFill>
+          <a:schemeClr val="tx1"/>
+        </a:solidFill>
+        <a:latin typeface="+mn-lt"/>
+        <a:ea typeface="+mn-ea"/>
+        <a:cs typeface="+mn-cs"/>
+      </a:defRPr>
+    </a:lvl7pPr>
+    <a:lvl8pPr marL="4480560" algn="l" defTabSz="1280160" rtl="0" eaLnBrk="1" latinLnBrk="0" hangingPunct="1">
+      <a:defRPr sz="1700" kern="1200">
+        <a:solidFill>
+          <a:schemeClr val="tx1"/>
+        </a:solidFill>
+        <a:latin typeface="+mn-lt"/>
+        <a:ea typeface="+mn-ea"/>
+        <a:cs typeface="+mn-cs"/>
+      </a:defRPr>
+    </a:lvl8pPr>
+    <a:lvl9pPr marL="5120640" algn="l" defTabSz="1280160" rtl="0" eaLnBrk="1" latinLnBrk="0" hangingPunct="1">
+      <a:defRPr sz="1700" kern="1200">
+        <a:solidFill>
+          <a:schemeClr val="tx1"/>
+        </a:solidFill>
+        <a:latin typeface="+mn-lt"/>
+        <a:ea typeface="+mn-ea"/>
+        <a:cs typeface="+mn-cs"/>
+      </a:defRPr>
+    </a:lvl9pPr>
+  </p:notesStyle>
+</p:notesMaster>
+</file>
+
+<file path=ppt/notesSlides/notesSlide1.xml><?xml version="1.0" encoding="utf-8"?>
+<p:notes xmlns:a="http://schemas.openxmlformats.org/drawingml/2006/main" xmlns:r="http://schemas.openxmlformats.org/officeDocument/2006/relationships" xmlns:p="http://schemas.openxmlformats.org/presentationml/2006/main">
+  <p:cSld>
+    <p:spTree>
+      <p:nvGrpSpPr>
+        <p:cNvPr id="1" name=""/>
+        <p:cNvGrpSpPr/>
+        <p:nvPr/>
+      </p:nvGrpSpPr>
+      <p:grpSpPr>
+        <a:xfrm>
+          <a:off x="0" y="0"/>
+          <a:ext cx="0" cy="0"/>
+          <a:chOff x="0" y="0"/>
+          <a:chExt cx="0" cy="0"/>
+        </a:xfrm>
+      </p:grpSpPr>
+      <p:sp>
+        <p:nvSpPr>
+          <p:cNvPr id="2" name="Slide Image Placeholder 1"/>
+          <p:cNvSpPr>
+            <a:spLocks noGrp="1" noRot="1" noChangeAspect="1"/>
+          </p:cNvSpPr>
+          <p:nvPr>
+            <p:ph type="sldImg"/>
+          </p:nvPr>
+        </p:nvSpPr>
+        <p:spPr/>
+      </p:sp>
+      <p:sp>
+        <p:nvSpPr>
+          <p:cNvPr id="3" name="Notes Placeholder 2"/>
+          <p:cNvSpPr>
+            <a:spLocks noGrp="1"/>
+          </p:cNvSpPr>
+          <p:nvPr>
+            <p:ph type="body" idx="1"/>
+          </p:nvPr>
+        </p:nvSpPr>
+        <p:spPr/>
+        <p:txBody>
+          <a:bodyPr/>
+          <a:lstStyle/>
+          <a:p>
+            <a:endParaRPr lang="et-EE" dirty="0"/>
+          </a:p>
+        </p:txBody>
+      </p:sp>
+      <p:sp>
+        <p:nvSpPr>
+          <p:cNvPr id="4" name="Slide Number Placeholder 3"/>
+          <p:cNvSpPr>
+            <a:spLocks noGrp="1"/>
+          </p:cNvSpPr>
+          <p:nvPr>
+            <p:ph type="sldNum" sz="quarter" idx="10"/>
+          </p:nvPr>
+        </p:nvSpPr>
+        <p:spPr/>
+        <p:txBody>
+          <a:bodyPr/>
+          <a:lstStyle/>
+          <a:p>
+            <a:fld id="{31AA2012-F5AE-41F8-824E-D2916F3B2DBE}" type="slidenum">
+              <a:rPr lang="et-EE" smtClean="0"/>
+              <a:t>1</a:t>
+            </a:fld>
+            <a:endParaRPr lang="et-EE"/>
+          </a:p>
+        </p:txBody>
+      </p:sp>
+    </p:spTree>
+    <p:extLst>
+      <p:ext uri="{BB962C8B-B14F-4D97-AF65-F5344CB8AC3E}">
+        <p14:creationId xmlns:p14="http://schemas.microsoft.com/office/powerpoint/2010/main" val="3227637811"/>
+      </p:ext>
+    </p:extLst>
+  </p:cSld>
+  <p:clrMapOvr>
+    <a:masterClrMapping/>
+  </p:clrMapOvr>
+</p:notes>
 </file>
 
 <file path=ppt/slideLayouts/slideLayout1.xml><?xml version="1.0" encoding="utf-8"?>
@@ -133,8 +573,8 @@
         </p:nvSpPr>
         <p:spPr>
           <a:xfrm>
-            <a:off x="685800" y="2130425"/>
-            <a:ext cx="7772400" cy="1470025"/>
+            <a:off x="720090" y="3976794"/>
+            <a:ext cx="8161020" cy="2744047"/>
           </a:xfrm>
         </p:spPr>
         <p:txBody>
@@ -145,7 +585,7 @@
               <a:rPr lang="en-US" smtClean="0"/>
               <a:t>Click to edit Master title style</a:t>
             </a:r>
-            <a:endParaRPr lang="en-US"/>
+            <a:endParaRPr lang="en-US" dirty="0"/>
           </a:p>
         </p:txBody>
       </p:sp>
@@ -161,8 +601,8 @@
         </p:nvSpPr>
         <p:spPr>
           <a:xfrm>
-            <a:off x="1371600" y="3886200"/>
-            <a:ext cx="6400800" cy="1752600"/>
+            <a:off x="1440180" y="7254240"/>
+            <a:ext cx="6720840" cy="3271520"/>
           </a:xfrm>
         </p:spPr>
         <p:txBody>
@@ -178,7 +618,7 @@
                 </a:solidFill>
               </a:defRPr>
             </a:lvl1pPr>
-            <a:lvl2pPr marL="457200" indent="0" algn="ctr">
+            <a:lvl2pPr marL="640080" indent="0" algn="ctr">
               <a:buNone/>
               <a:defRPr>
                 <a:solidFill>
@@ -188,7 +628,7 @@
                 </a:solidFill>
               </a:defRPr>
             </a:lvl2pPr>
-            <a:lvl3pPr marL="914400" indent="0" algn="ctr">
+            <a:lvl3pPr marL="1280160" indent="0" algn="ctr">
               <a:buNone/>
               <a:defRPr>
                 <a:solidFill>
@@ -198,7 +638,7 @@
                 </a:solidFill>
               </a:defRPr>
             </a:lvl3pPr>
-            <a:lvl4pPr marL="1371600" indent="0" algn="ctr">
+            <a:lvl4pPr marL="1920240" indent="0" algn="ctr">
               <a:buNone/>
               <a:defRPr>
                 <a:solidFill>
@@ -208,7 +648,7 @@
                 </a:solidFill>
               </a:defRPr>
             </a:lvl4pPr>
-            <a:lvl5pPr marL="1828800" indent="0" algn="ctr">
+            <a:lvl5pPr marL="2560320" indent="0" algn="ctr">
               <a:buNone/>
               <a:defRPr>
                 <a:solidFill>
@@ -218,7 +658,7 @@
                 </a:solidFill>
               </a:defRPr>
             </a:lvl5pPr>
-            <a:lvl6pPr marL="2286000" indent="0" algn="ctr">
+            <a:lvl6pPr marL="3200400" indent="0" algn="ctr">
               <a:buNone/>
               <a:defRPr>
                 <a:solidFill>
@@ -228,7 +668,7 @@
                 </a:solidFill>
               </a:defRPr>
             </a:lvl6pPr>
-            <a:lvl7pPr marL="2743200" indent="0" algn="ctr">
+            <a:lvl7pPr marL="3840480" indent="0" algn="ctr">
               <a:buNone/>
               <a:defRPr>
                 <a:solidFill>
@@ -238,7 +678,7 @@
                 </a:solidFill>
               </a:defRPr>
             </a:lvl7pPr>
-            <a:lvl8pPr marL="3200400" indent="0" algn="ctr">
+            <a:lvl8pPr marL="4480560" indent="0" algn="ctr">
               <a:buNone/>
               <a:defRPr>
                 <a:solidFill>
@@ -248,7 +688,7 @@
                 </a:solidFill>
               </a:defRPr>
             </a:lvl8pPr>
-            <a:lvl9pPr marL="3657600" indent="0" algn="ctr">
+            <a:lvl9pPr marL="5120640" indent="0" algn="ctr">
               <a:buNone/>
               <a:defRPr>
                 <a:solidFill>
@@ -286,7 +726,7 @@
             <a:fld id="{1D8BD707-D9CF-40AE-B4C6-C98DA3205C09}" type="datetimeFigureOut">
               <a:rPr lang="en-US" smtClean="0"/>
               <a:pPr/>
-              <a:t>9/18/2006</a:t>
+              <a:t>2/1/2015</a:t>
             </a:fld>
             <a:endParaRPr lang="en-US"/>
           </a:p>
@@ -340,6 +780,13 @@
   <p:clrMapOvr>
     <a:masterClrMapping/>
   </p:clrMapOvr>
+  <p:timing>
+    <p:tnLst>
+      <p:par>
+        <p:cTn id="1" dur="indefinite" restart="never" nodeType="tmRoot"/>
+      </p:par>
+    </p:tnLst>
+  </p:timing>
 </p:sldLayout>
 </file>
 
@@ -453,7 +900,7 @@
             <a:fld id="{1D8BD707-D9CF-40AE-B4C6-C98DA3205C09}" type="datetimeFigureOut">
               <a:rPr lang="en-US" smtClean="0"/>
               <a:pPr/>
-              <a:t>9/18/2006</a:t>
+              <a:t>2/1/2015</a:t>
             </a:fld>
             <a:endParaRPr lang="en-US"/>
           </a:p>
@@ -539,8 +986,8 @@
         </p:nvSpPr>
         <p:spPr>
           <a:xfrm>
-            <a:off x="6629400" y="274638"/>
-            <a:ext cx="2057400" cy="5851525"/>
+            <a:off x="6960870" y="512658"/>
+            <a:ext cx="2160270" cy="10922847"/>
           </a:xfrm>
         </p:spPr>
         <p:txBody>
@@ -567,8 +1014,8 @@
         </p:nvSpPr>
         <p:spPr>
           <a:xfrm>
-            <a:off x="457200" y="274638"/>
-            <a:ext cx="6019800" cy="5851525"/>
+            <a:off x="480060" y="512658"/>
+            <a:ext cx="6320790" cy="10922847"/>
           </a:xfrm>
         </p:spPr>
         <p:txBody>
@@ -630,7 +1077,7 @@
             <a:fld id="{1D8BD707-D9CF-40AE-B4C6-C98DA3205C09}" type="datetimeFigureOut">
               <a:rPr lang="en-US" smtClean="0"/>
               <a:pPr/>
-              <a:t>9/18/2006</a:t>
+              <a:t>2/1/2015</a:t>
             </a:fld>
             <a:endParaRPr lang="en-US"/>
           </a:p>
@@ -714,7 +1161,10 @@
             <p:ph type="title"/>
           </p:nvPr>
         </p:nvSpPr>
-        <p:spPr/>
+        <p:spPr>
+          <a:noFill/>
+          <a:effectLst/>
+        </p:spPr>
         <p:txBody>
           <a:bodyPr/>
           <a:lstStyle/>
@@ -797,7 +1247,7 @@
             <a:fld id="{1D8BD707-D9CF-40AE-B4C6-C98DA3205C09}" type="datetimeFigureOut">
               <a:rPr lang="en-US" smtClean="0"/>
               <a:pPr/>
-              <a:t>9/18/2006</a:t>
+              <a:t>2/1/2015</a:t>
             </a:fld>
             <a:endParaRPr lang="en-US"/>
           </a:p>
@@ -883,15 +1333,15 @@
         </p:nvSpPr>
         <p:spPr>
           <a:xfrm>
-            <a:off x="722313" y="4406900"/>
-            <a:ext cx="7772400" cy="1362075"/>
+            <a:off x="758429" y="8226214"/>
+            <a:ext cx="8161020" cy="2542540"/>
           </a:xfrm>
         </p:spPr>
         <p:txBody>
           <a:bodyPr anchor="t"/>
           <a:lstStyle>
             <a:lvl1pPr algn="l">
-              <a:defRPr sz="4000" b="1" cap="all"/>
+              <a:defRPr sz="5600" b="1" cap="all"/>
             </a:lvl1pPr>
           </a:lstStyle>
           <a:p>
@@ -915,8 +1365,8 @@
         </p:nvSpPr>
         <p:spPr>
           <a:xfrm>
-            <a:off x="722313" y="2906713"/>
-            <a:ext cx="7772400" cy="1500187"/>
+            <a:off x="758429" y="5425865"/>
+            <a:ext cx="8161020" cy="2800349"/>
           </a:xfrm>
         </p:spPr>
         <p:txBody>
@@ -924,7 +1374,7 @@
           <a:lstStyle>
             <a:lvl1pPr marL="0" indent="0">
               <a:buNone/>
-              <a:defRPr sz="2000">
+              <a:defRPr sz="2800">
                 <a:solidFill>
                   <a:schemeClr val="tx1">
                     <a:tint val="75000"/>
@@ -932,9 +1382,9 @@
                 </a:solidFill>
               </a:defRPr>
             </a:lvl1pPr>
-            <a:lvl2pPr marL="457200" indent="0">
-              <a:buNone/>
-              <a:defRPr sz="1800">
+            <a:lvl2pPr marL="640080" indent="0">
+              <a:buNone/>
+              <a:defRPr sz="2500">
                 <a:solidFill>
                   <a:schemeClr val="tx1">
                     <a:tint val="75000"/>
@@ -942,9 +1392,9 @@
                 </a:solidFill>
               </a:defRPr>
             </a:lvl2pPr>
-            <a:lvl3pPr marL="914400" indent="0">
-              <a:buNone/>
-              <a:defRPr sz="1600">
+            <a:lvl3pPr marL="1280160" indent="0">
+              <a:buNone/>
+              <a:defRPr sz="2200">
                 <a:solidFill>
                   <a:schemeClr val="tx1">
                     <a:tint val="75000"/>
@@ -952,9 +1402,9 @@
                 </a:solidFill>
               </a:defRPr>
             </a:lvl3pPr>
-            <a:lvl4pPr marL="1371600" indent="0">
-              <a:buNone/>
-              <a:defRPr sz="1400">
+            <a:lvl4pPr marL="1920240" indent="0">
+              <a:buNone/>
+              <a:defRPr sz="2000">
                 <a:solidFill>
                   <a:schemeClr val="tx1">
                     <a:tint val="75000"/>
@@ -962,9 +1412,9 @@
                 </a:solidFill>
               </a:defRPr>
             </a:lvl4pPr>
-            <a:lvl5pPr marL="1828800" indent="0">
-              <a:buNone/>
-              <a:defRPr sz="1400">
+            <a:lvl5pPr marL="2560320" indent="0">
+              <a:buNone/>
+              <a:defRPr sz="2000">
                 <a:solidFill>
                   <a:schemeClr val="tx1">
                     <a:tint val="75000"/>
@@ -972,9 +1422,9 @@
                 </a:solidFill>
               </a:defRPr>
             </a:lvl5pPr>
-            <a:lvl6pPr marL="2286000" indent="0">
-              <a:buNone/>
-              <a:defRPr sz="1400">
+            <a:lvl6pPr marL="3200400" indent="0">
+              <a:buNone/>
+              <a:defRPr sz="2000">
                 <a:solidFill>
                   <a:schemeClr val="tx1">
                     <a:tint val="75000"/>
@@ -982,9 +1432,9 @@
                 </a:solidFill>
               </a:defRPr>
             </a:lvl6pPr>
-            <a:lvl7pPr marL="2743200" indent="0">
-              <a:buNone/>
-              <a:defRPr sz="1400">
+            <a:lvl7pPr marL="3840480" indent="0">
+              <a:buNone/>
+              <a:defRPr sz="2000">
                 <a:solidFill>
                   <a:schemeClr val="tx1">
                     <a:tint val="75000"/>
@@ -992,9 +1442,9 @@
                 </a:solidFill>
               </a:defRPr>
             </a:lvl7pPr>
-            <a:lvl8pPr marL="3200400" indent="0">
-              <a:buNone/>
-              <a:defRPr sz="1400">
+            <a:lvl8pPr marL="4480560" indent="0">
+              <a:buNone/>
+              <a:defRPr sz="2000">
                 <a:solidFill>
                   <a:schemeClr val="tx1">
                     <a:tint val="75000"/>
@@ -1002,9 +1452,9 @@
                 </a:solidFill>
               </a:defRPr>
             </a:lvl8pPr>
-            <a:lvl9pPr marL="3657600" indent="0">
-              <a:buNone/>
-              <a:defRPr sz="1400">
+            <a:lvl9pPr marL="5120640" indent="0">
+              <a:buNone/>
+              <a:defRPr sz="2000">
                 <a:solidFill>
                   <a:schemeClr val="tx1">
                     <a:tint val="75000"/>
@@ -1040,7 +1490,7 @@
             <a:fld id="{1D8BD707-D9CF-40AE-B4C6-C98DA3205C09}" type="datetimeFigureOut">
               <a:rPr lang="en-US" smtClean="0"/>
               <a:pPr/>
-              <a:t>9/18/2006</a:t>
+              <a:t>2/1/2015</a:t>
             </a:fld>
             <a:endParaRPr lang="en-US"/>
           </a:p>
@@ -1149,39 +1599,39 @@
         </p:nvSpPr>
         <p:spPr>
           <a:xfrm>
-            <a:off x="457200" y="1600200"/>
-            <a:ext cx="4038600" cy="4525963"/>
+            <a:off x="480060" y="2987041"/>
+            <a:ext cx="4240530" cy="8448464"/>
           </a:xfrm>
         </p:spPr>
         <p:txBody>
           <a:bodyPr/>
           <a:lstStyle>
             <a:lvl1pPr>
-              <a:defRPr sz="2800"/>
+              <a:defRPr sz="3900"/>
             </a:lvl1pPr>
             <a:lvl2pPr>
-              <a:defRPr sz="2400"/>
+              <a:defRPr sz="3400"/>
             </a:lvl2pPr>
             <a:lvl3pPr>
-              <a:defRPr sz="2000"/>
+              <a:defRPr sz="2800"/>
             </a:lvl3pPr>
             <a:lvl4pPr>
-              <a:defRPr sz="1800"/>
+              <a:defRPr sz="2500"/>
             </a:lvl4pPr>
             <a:lvl5pPr>
-              <a:defRPr sz="1800"/>
+              <a:defRPr sz="2500"/>
             </a:lvl5pPr>
             <a:lvl6pPr>
-              <a:defRPr sz="1800"/>
+              <a:defRPr sz="2500"/>
             </a:lvl6pPr>
             <a:lvl7pPr>
-              <a:defRPr sz="1800"/>
+              <a:defRPr sz="2500"/>
             </a:lvl7pPr>
             <a:lvl8pPr>
-              <a:defRPr sz="1800"/>
+              <a:defRPr sz="2500"/>
             </a:lvl8pPr>
             <a:lvl9pPr>
-              <a:defRPr sz="1800"/>
+              <a:defRPr sz="2500"/>
             </a:lvl9pPr>
           </a:lstStyle>
           <a:p>
@@ -1234,39 +1684,39 @@
         </p:nvSpPr>
         <p:spPr>
           <a:xfrm>
-            <a:off x="4648200" y="1600200"/>
-            <a:ext cx="4038600" cy="4525963"/>
+            <a:off x="4880610" y="2987041"/>
+            <a:ext cx="4240530" cy="8448464"/>
           </a:xfrm>
         </p:spPr>
         <p:txBody>
           <a:bodyPr/>
           <a:lstStyle>
             <a:lvl1pPr>
-              <a:defRPr sz="2800"/>
+              <a:defRPr sz="3900"/>
             </a:lvl1pPr>
             <a:lvl2pPr>
-              <a:defRPr sz="2400"/>
+              <a:defRPr sz="3400"/>
             </a:lvl2pPr>
             <a:lvl3pPr>
-              <a:defRPr sz="2000"/>
+              <a:defRPr sz="2800"/>
             </a:lvl3pPr>
             <a:lvl4pPr>
-              <a:defRPr sz="1800"/>
+              <a:defRPr sz="2500"/>
             </a:lvl4pPr>
             <a:lvl5pPr>
-              <a:defRPr sz="1800"/>
+              <a:defRPr sz="2500"/>
             </a:lvl5pPr>
             <a:lvl6pPr>
-              <a:defRPr sz="1800"/>
+              <a:defRPr sz="2500"/>
             </a:lvl6pPr>
             <a:lvl7pPr>
-              <a:defRPr sz="1800"/>
+              <a:defRPr sz="2500"/>
             </a:lvl7pPr>
             <a:lvl8pPr>
-              <a:defRPr sz="1800"/>
+              <a:defRPr sz="2500"/>
             </a:lvl8pPr>
             <a:lvl9pPr>
-              <a:defRPr sz="1800"/>
+              <a:defRPr sz="2500"/>
             </a:lvl9pPr>
           </a:lstStyle>
           <a:p>
@@ -1325,7 +1775,7 @@
             <a:fld id="{1D8BD707-D9CF-40AE-B4C6-C98DA3205C09}" type="datetimeFigureOut">
               <a:rPr lang="en-US" smtClean="0"/>
               <a:pPr/>
-              <a:t>9/18/2006</a:t>
+              <a:t>2/1/2015</a:t>
             </a:fld>
             <a:endParaRPr lang="en-US"/>
           </a:p>
@@ -1438,8 +1888,8 @@
         </p:nvSpPr>
         <p:spPr>
           <a:xfrm>
-            <a:off x="457200" y="1535113"/>
-            <a:ext cx="4040188" cy="639762"/>
+            <a:off x="480060" y="2865544"/>
+            <a:ext cx="4242197" cy="1194222"/>
           </a:xfrm>
         </p:spPr>
         <p:txBody>
@@ -1447,39 +1897,39 @@
           <a:lstStyle>
             <a:lvl1pPr marL="0" indent="0">
               <a:buNone/>
-              <a:defRPr sz="2400" b="1"/>
+              <a:defRPr sz="3400" b="1"/>
             </a:lvl1pPr>
-            <a:lvl2pPr marL="457200" indent="0">
-              <a:buNone/>
-              <a:defRPr sz="2000" b="1"/>
+            <a:lvl2pPr marL="640080" indent="0">
+              <a:buNone/>
+              <a:defRPr sz="2800" b="1"/>
             </a:lvl2pPr>
-            <a:lvl3pPr marL="914400" indent="0">
-              <a:buNone/>
-              <a:defRPr sz="1800" b="1"/>
+            <a:lvl3pPr marL="1280160" indent="0">
+              <a:buNone/>
+              <a:defRPr sz="2500" b="1"/>
             </a:lvl3pPr>
-            <a:lvl4pPr marL="1371600" indent="0">
-              <a:buNone/>
-              <a:defRPr sz="1600" b="1"/>
+            <a:lvl4pPr marL="1920240" indent="0">
+              <a:buNone/>
+              <a:defRPr sz="2200" b="1"/>
             </a:lvl4pPr>
-            <a:lvl5pPr marL="1828800" indent="0">
-              <a:buNone/>
-              <a:defRPr sz="1600" b="1"/>
+            <a:lvl5pPr marL="2560320" indent="0">
+              <a:buNone/>
+              <a:defRPr sz="2200" b="1"/>
             </a:lvl5pPr>
-            <a:lvl6pPr marL="2286000" indent="0">
-              <a:buNone/>
-              <a:defRPr sz="1600" b="1"/>
+            <a:lvl6pPr marL="3200400" indent="0">
+              <a:buNone/>
+              <a:defRPr sz="2200" b="1"/>
             </a:lvl6pPr>
-            <a:lvl7pPr marL="2743200" indent="0">
-              <a:buNone/>
-              <a:defRPr sz="1600" b="1"/>
+            <a:lvl7pPr marL="3840480" indent="0">
+              <a:buNone/>
+              <a:defRPr sz="2200" b="1"/>
             </a:lvl7pPr>
-            <a:lvl8pPr marL="3200400" indent="0">
-              <a:buNone/>
-              <a:defRPr sz="1600" b="1"/>
+            <a:lvl8pPr marL="4480560" indent="0">
+              <a:buNone/>
+              <a:defRPr sz="2200" b="1"/>
             </a:lvl8pPr>
-            <a:lvl9pPr marL="3657600" indent="0">
-              <a:buNone/>
-              <a:defRPr sz="1600" b="1"/>
+            <a:lvl9pPr marL="5120640" indent="0">
+              <a:buNone/>
+              <a:defRPr sz="2200" b="1"/>
             </a:lvl9pPr>
           </a:lstStyle>
           <a:p>
@@ -1503,39 +1953,39 @@
         </p:nvSpPr>
         <p:spPr>
           <a:xfrm>
-            <a:off x="457200" y="2174875"/>
-            <a:ext cx="4040188" cy="3951288"/>
+            <a:off x="480060" y="4059766"/>
+            <a:ext cx="4242197" cy="7375738"/>
           </a:xfrm>
         </p:spPr>
         <p:txBody>
           <a:bodyPr/>
           <a:lstStyle>
             <a:lvl1pPr>
-              <a:defRPr sz="2400"/>
+              <a:defRPr sz="3400"/>
             </a:lvl1pPr>
             <a:lvl2pPr>
-              <a:defRPr sz="2000"/>
+              <a:defRPr sz="2800"/>
             </a:lvl2pPr>
             <a:lvl3pPr>
-              <a:defRPr sz="1800"/>
+              <a:defRPr sz="2500"/>
             </a:lvl3pPr>
             <a:lvl4pPr>
-              <a:defRPr sz="1600"/>
+              <a:defRPr sz="2200"/>
             </a:lvl4pPr>
             <a:lvl5pPr>
-              <a:defRPr sz="1600"/>
+              <a:defRPr sz="2200"/>
             </a:lvl5pPr>
             <a:lvl6pPr>
-              <a:defRPr sz="1600"/>
+              <a:defRPr sz="2200"/>
             </a:lvl6pPr>
             <a:lvl7pPr>
-              <a:defRPr sz="1600"/>
+              <a:defRPr sz="2200"/>
             </a:lvl7pPr>
             <a:lvl8pPr>
-              <a:defRPr sz="1600"/>
+              <a:defRPr sz="2200"/>
             </a:lvl8pPr>
             <a:lvl9pPr>
-              <a:defRPr sz="1600"/>
+              <a:defRPr sz="2200"/>
             </a:lvl9pPr>
           </a:lstStyle>
           <a:p>
@@ -1588,8 +2038,8 @@
         </p:nvSpPr>
         <p:spPr>
           <a:xfrm>
-            <a:off x="4645025" y="1535113"/>
-            <a:ext cx="4041775" cy="639762"/>
+            <a:off x="4877277" y="2865544"/>
+            <a:ext cx="4243864" cy="1194222"/>
           </a:xfrm>
         </p:spPr>
         <p:txBody>
@@ -1597,39 +2047,39 @@
           <a:lstStyle>
             <a:lvl1pPr marL="0" indent="0">
               <a:buNone/>
-              <a:defRPr sz="2400" b="1"/>
+              <a:defRPr sz="3400" b="1"/>
             </a:lvl1pPr>
-            <a:lvl2pPr marL="457200" indent="0">
-              <a:buNone/>
-              <a:defRPr sz="2000" b="1"/>
+            <a:lvl2pPr marL="640080" indent="0">
+              <a:buNone/>
+              <a:defRPr sz="2800" b="1"/>
             </a:lvl2pPr>
-            <a:lvl3pPr marL="914400" indent="0">
-              <a:buNone/>
-              <a:defRPr sz="1800" b="1"/>
+            <a:lvl3pPr marL="1280160" indent="0">
+              <a:buNone/>
+              <a:defRPr sz="2500" b="1"/>
             </a:lvl3pPr>
-            <a:lvl4pPr marL="1371600" indent="0">
-              <a:buNone/>
-              <a:defRPr sz="1600" b="1"/>
+            <a:lvl4pPr marL="1920240" indent="0">
+              <a:buNone/>
+              <a:defRPr sz="2200" b="1"/>
             </a:lvl4pPr>
-            <a:lvl5pPr marL="1828800" indent="0">
-              <a:buNone/>
-              <a:defRPr sz="1600" b="1"/>
+            <a:lvl5pPr marL="2560320" indent="0">
+              <a:buNone/>
+              <a:defRPr sz="2200" b="1"/>
             </a:lvl5pPr>
-            <a:lvl6pPr marL="2286000" indent="0">
-              <a:buNone/>
-              <a:defRPr sz="1600" b="1"/>
+            <a:lvl6pPr marL="3200400" indent="0">
+              <a:buNone/>
+              <a:defRPr sz="2200" b="1"/>
             </a:lvl6pPr>
-            <a:lvl7pPr marL="2743200" indent="0">
-              <a:buNone/>
-              <a:defRPr sz="1600" b="1"/>
+            <a:lvl7pPr marL="3840480" indent="0">
+              <a:buNone/>
+              <a:defRPr sz="2200" b="1"/>
             </a:lvl7pPr>
-            <a:lvl8pPr marL="3200400" indent="0">
-              <a:buNone/>
-              <a:defRPr sz="1600" b="1"/>
+            <a:lvl8pPr marL="4480560" indent="0">
+              <a:buNone/>
+              <a:defRPr sz="2200" b="1"/>
             </a:lvl8pPr>
-            <a:lvl9pPr marL="3657600" indent="0">
-              <a:buNone/>
-              <a:defRPr sz="1600" b="1"/>
+            <a:lvl9pPr marL="5120640" indent="0">
+              <a:buNone/>
+              <a:defRPr sz="2200" b="1"/>
             </a:lvl9pPr>
           </a:lstStyle>
           <a:p>
@@ -1653,39 +2103,39 @@
         </p:nvSpPr>
         <p:spPr>
           <a:xfrm>
-            <a:off x="4645025" y="2174875"/>
-            <a:ext cx="4041775" cy="3951288"/>
+            <a:off x="4877277" y="4059766"/>
+            <a:ext cx="4243864" cy="7375738"/>
           </a:xfrm>
         </p:spPr>
         <p:txBody>
           <a:bodyPr/>
           <a:lstStyle>
             <a:lvl1pPr>
-              <a:defRPr sz="2400"/>
+              <a:defRPr sz="3400"/>
             </a:lvl1pPr>
             <a:lvl2pPr>
-              <a:defRPr sz="2000"/>
+              <a:defRPr sz="2800"/>
             </a:lvl2pPr>
             <a:lvl3pPr>
-              <a:defRPr sz="1800"/>
+              <a:defRPr sz="2500"/>
             </a:lvl3pPr>
             <a:lvl4pPr>
-              <a:defRPr sz="1600"/>
+              <a:defRPr sz="2200"/>
             </a:lvl4pPr>
             <a:lvl5pPr>
-              <a:defRPr sz="1600"/>
+              <a:defRPr sz="2200"/>
             </a:lvl5pPr>
             <a:lvl6pPr>
-              <a:defRPr sz="1600"/>
+              <a:defRPr sz="2200"/>
             </a:lvl6pPr>
             <a:lvl7pPr>
-              <a:defRPr sz="1600"/>
+              <a:defRPr sz="2200"/>
             </a:lvl7pPr>
             <a:lvl8pPr>
-              <a:defRPr sz="1600"/>
+              <a:defRPr sz="2200"/>
             </a:lvl8pPr>
             <a:lvl9pPr>
-              <a:defRPr sz="1600"/>
+              <a:defRPr sz="2200"/>
             </a:lvl9pPr>
           </a:lstStyle>
           <a:p>
@@ -1744,7 +2194,7 @@
             <a:fld id="{1D8BD707-D9CF-40AE-B4C6-C98DA3205C09}" type="datetimeFigureOut">
               <a:rPr lang="en-US" smtClean="0"/>
               <a:pPr/>
-              <a:t>9/18/2006</a:t>
+              <a:t>2/1/2015</a:t>
             </a:fld>
             <a:endParaRPr lang="en-US"/>
           </a:p>
@@ -1859,7 +2309,7 @@
             <a:fld id="{1D8BD707-D9CF-40AE-B4C6-C98DA3205C09}" type="datetimeFigureOut">
               <a:rPr lang="en-US" smtClean="0"/>
               <a:pPr/>
-              <a:t>9/18/2006</a:t>
+              <a:t>2/1/2015</a:t>
             </a:fld>
             <a:endParaRPr lang="en-US"/>
           </a:p>
@@ -1951,7 +2401,7 @@
             <a:fld id="{1D8BD707-D9CF-40AE-B4C6-C98DA3205C09}" type="datetimeFigureOut">
               <a:rPr lang="en-US" smtClean="0"/>
               <a:pPr/>
-              <a:t>9/18/2006</a:t>
+              <a:t>2/1/2015</a:t>
             </a:fld>
             <a:endParaRPr lang="en-US"/>
           </a:p>
@@ -2037,15 +2487,15 @@
         </p:nvSpPr>
         <p:spPr>
           <a:xfrm>
-            <a:off x="457200" y="273050"/>
-            <a:ext cx="3008313" cy="1162050"/>
+            <a:off x="480060" y="509693"/>
+            <a:ext cx="3158729" cy="2169160"/>
           </a:xfrm>
         </p:spPr>
         <p:txBody>
           <a:bodyPr anchor="b"/>
           <a:lstStyle>
             <a:lvl1pPr algn="l">
-              <a:defRPr sz="2000" b="1"/>
+              <a:defRPr sz="2800" b="1"/>
             </a:lvl1pPr>
           </a:lstStyle>
           <a:p>
@@ -2069,39 +2519,39 @@
         </p:nvSpPr>
         <p:spPr>
           <a:xfrm>
-            <a:off x="3575050" y="273050"/>
-            <a:ext cx="5111750" cy="5853113"/>
+            <a:off x="3753802" y="509694"/>
+            <a:ext cx="5367338" cy="10925811"/>
           </a:xfrm>
         </p:spPr>
         <p:txBody>
           <a:bodyPr/>
           <a:lstStyle>
             <a:lvl1pPr>
-              <a:defRPr sz="3200"/>
+              <a:defRPr sz="4500"/>
             </a:lvl1pPr>
             <a:lvl2pPr>
-              <a:defRPr sz="2800"/>
+              <a:defRPr sz="3900"/>
             </a:lvl2pPr>
             <a:lvl3pPr>
-              <a:defRPr sz="2400"/>
+              <a:defRPr sz="3400"/>
             </a:lvl3pPr>
             <a:lvl4pPr>
-              <a:defRPr sz="2000"/>
+              <a:defRPr sz="2800"/>
             </a:lvl4pPr>
             <a:lvl5pPr>
-              <a:defRPr sz="2000"/>
+              <a:defRPr sz="2800"/>
             </a:lvl5pPr>
             <a:lvl6pPr>
-              <a:defRPr sz="2000"/>
+              <a:defRPr sz="2800"/>
             </a:lvl6pPr>
             <a:lvl7pPr>
-              <a:defRPr sz="2000"/>
+              <a:defRPr sz="2800"/>
             </a:lvl7pPr>
             <a:lvl8pPr>
-              <a:defRPr sz="2000"/>
+              <a:defRPr sz="2800"/>
             </a:lvl8pPr>
             <a:lvl9pPr>
-              <a:defRPr sz="2000"/>
+              <a:defRPr sz="2800"/>
             </a:lvl9pPr>
           </a:lstStyle>
           <a:p>
@@ -2154,8 +2604,8 @@
         </p:nvSpPr>
         <p:spPr>
           <a:xfrm>
-            <a:off x="457200" y="1435100"/>
-            <a:ext cx="3008313" cy="4691063"/>
+            <a:off x="480060" y="2678854"/>
+            <a:ext cx="3158729" cy="8756651"/>
           </a:xfrm>
         </p:spPr>
         <p:txBody>
@@ -2163,39 +2613,39 @@
           <a:lstStyle>
             <a:lvl1pPr marL="0" indent="0">
               <a:buNone/>
+              <a:defRPr sz="2000"/>
+            </a:lvl1pPr>
+            <a:lvl2pPr marL="640080" indent="0">
+              <a:buNone/>
+              <a:defRPr sz="1700"/>
+            </a:lvl2pPr>
+            <a:lvl3pPr marL="1280160" indent="0">
+              <a:buNone/>
               <a:defRPr sz="1400"/>
-            </a:lvl1pPr>
-            <a:lvl2pPr marL="457200" indent="0">
-              <a:buNone/>
-              <a:defRPr sz="1200"/>
-            </a:lvl2pPr>
-            <a:lvl3pPr marL="914400" indent="0">
-              <a:buNone/>
-              <a:defRPr sz="1000"/>
             </a:lvl3pPr>
-            <a:lvl4pPr marL="1371600" indent="0">
-              <a:buNone/>
-              <a:defRPr sz="900"/>
+            <a:lvl4pPr marL="1920240" indent="0">
+              <a:buNone/>
+              <a:defRPr sz="1300"/>
             </a:lvl4pPr>
-            <a:lvl5pPr marL="1828800" indent="0">
-              <a:buNone/>
-              <a:defRPr sz="900"/>
+            <a:lvl5pPr marL="2560320" indent="0">
+              <a:buNone/>
+              <a:defRPr sz="1300"/>
             </a:lvl5pPr>
-            <a:lvl6pPr marL="2286000" indent="0">
-              <a:buNone/>
-              <a:defRPr sz="900"/>
+            <a:lvl6pPr marL="3200400" indent="0">
+              <a:buNone/>
+              <a:defRPr sz="1300"/>
             </a:lvl6pPr>
-            <a:lvl7pPr marL="2743200" indent="0">
-              <a:buNone/>
-              <a:defRPr sz="900"/>
+            <a:lvl7pPr marL="3840480" indent="0">
+              <a:buNone/>
+              <a:defRPr sz="1300"/>
             </a:lvl7pPr>
-            <a:lvl8pPr marL="3200400" indent="0">
-              <a:buNone/>
-              <a:defRPr sz="900"/>
+            <a:lvl8pPr marL="4480560" indent="0">
+              <a:buNone/>
+              <a:defRPr sz="1300"/>
             </a:lvl8pPr>
-            <a:lvl9pPr marL="3657600" indent="0">
-              <a:buNone/>
-              <a:defRPr sz="900"/>
+            <a:lvl9pPr marL="5120640" indent="0">
+              <a:buNone/>
+              <a:defRPr sz="1300"/>
             </a:lvl9pPr>
           </a:lstStyle>
           <a:p>
@@ -2225,7 +2675,7 @@
             <a:fld id="{1D8BD707-D9CF-40AE-B4C6-C98DA3205C09}" type="datetimeFigureOut">
               <a:rPr lang="en-US" smtClean="0"/>
               <a:pPr/>
-              <a:t>9/18/2006</a:t>
+              <a:t>2/1/2015</a:t>
             </a:fld>
             <a:endParaRPr lang="en-US"/>
           </a:p>
@@ -2311,15 +2761,15 @@
         </p:nvSpPr>
         <p:spPr>
           <a:xfrm>
-            <a:off x="1792288" y="4800600"/>
-            <a:ext cx="5486400" cy="566738"/>
+            <a:off x="1881902" y="8961120"/>
+            <a:ext cx="5760720" cy="1057911"/>
           </a:xfrm>
         </p:spPr>
         <p:txBody>
           <a:bodyPr anchor="b"/>
           <a:lstStyle>
             <a:lvl1pPr algn="l">
-              <a:defRPr sz="2000" b="1"/>
+              <a:defRPr sz="2800" b="1"/>
             </a:lvl1pPr>
           </a:lstStyle>
           <a:p>
@@ -2343,8 +2793,8 @@
         </p:nvSpPr>
         <p:spPr>
           <a:xfrm>
-            <a:off x="1792288" y="612775"/>
-            <a:ext cx="5486400" cy="4114800"/>
+            <a:off x="1881902" y="1143847"/>
+            <a:ext cx="5760720" cy="7680960"/>
           </a:xfrm>
         </p:spPr>
         <p:txBody>
@@ -2352,42 +2802,46 @@
           <a:lstStyle>
             <a:lvl1pPr marL="0" indent="0">
               <a:buNone/>
-              <a:defRPr sz="3200"/>
+              <a:defRPr sz="4500"/>
             </a:lvl1pPr>
-            <a:lvl2pPr marL="457200" indent="0">
+            <a:lvl2pPr marL="640080" indent="0">
+              <a:buNone/>
+              <a:defRPr sz="3900"/>
+            </a:lvl2pPr>
+            <a:lvl3pPr marL="1280160" indent="0">
+              <a:buNone/>
+              <a:defRPr sz="3400"/>
+            </a:lvl3pPr>
+            <a:lvl4pPr marL="1920240" indent="0">
               <a:buNone/>
               <a:defRPr sz="2800"/>
-            </a:lvl2pPr>
-            <a:lvl3pPr marL="914400" indent="0">
-              <a:buNone/>
-              <a:defRPr sz="2400"/>
-            </a:lvl3pPr>
-            <a:lvl4pPr marL="1371600" indent="0">
-              <a:buNone/>
-              <a:defRPr sz="2000"/>
             </a:lvl4pPr>
-            <a:lvl5pPr marL="1828800" indent="0">
-              <a:buNone/>
-              <a:defRPr sz="2000"/>
+            <a:lvl5pPr marL="2560320" indent="0">
+              <a:buNone/>
+              <a:defRPr sz="2800"/>
             </a:lvl5pPr>
-            <a:lvl6pPr marL="2286000" indent="0">
-              <a:buNone/>
-              <a:defRPr sz="2000"/>
+            <a:lvl6pPr marL="3200400" indent="0">
+              <a:buNone/>
+              <a:defRPr sz="2800"/>
             </a:lvl6pPr>
-            <a:lvl7pPr marL="2743200" indent="0">
-              <a:buNone/>
-              <a:defRPr sz="2000"/>
+            <a:lvl7pPr marL="3840480" indent="0">
+              <a:buNone/>
+              <a:defRPr sz="2800"/>
             </a:lvl7pPr>
-            <a:lvl8pPr marL="3200400" indent="0">
-              <a:buNone/>
-              <a:defRPr sz="2000"/>
+            <a:lvl8pPr marL="4480560" indent="0">
+              <a:buNone/>
+              <a:defRPr sz="2800"/>
             </a:lvl8pPr>
-            <a:lvl9pPr marL="3657600" indent="0">
-              <a:buNone/>
-              <a:defRPr sz="2000"/>
+            <a:lvl9pPr marL="5120640" indent="0">
+              <a:buNone/>
+              <a:defRPr sz="2800"/>
             </a:lvl9pPr>
           </a:lstStyle>
           <a:p>
+            <a:r>
+              <a:rPr lang="en-US" smtClean="0"/>
+              <a:t>Click icon to add picture</a:t>
+            </a:r>
             <a:endParaRPr lang="en-US"/>
           </a:p>
         </p:txBody>
@@ -2404,8 +2858,8 @@
         </p:nvSpPr>
         <p:spPr>
           <a:xfrm>
-            <a:off x="1792288" y="5367338"/>
-            <a:ext cx="5486400" cy="804862"/>
+            <a:off x="1881902" y="10019031"/>
+            <a:ext cx="5760720" cy="1502409"/>
           </a:xfrm>
         </p:spPr>
         <p:txBody>
@@ -2413,39 +2867,39 @@
           <a:lstStyle>
             <a:lvl1pPr marL="0" indent="0">
               <a:buNone/>
+              <a:defRPr sz="2000"/>
+            </a:lvl1pPr>
+            <a:lvl2pPr marL="640080" indent="0">
+              <a:buNone/>
+              <a:defRPr sz="1700"/>
+            </a:lvl2pPr>
+            <a:lvl3pPr marL="1280160" indent="0">
+              <a:buNone/>
               <a:defRPr sz="1400"/>
-            </a:lvl1pPr>
-            <a:lvl2pPr marL="457200" indent="0">
-              <a:buNone/>
-              <a:defRPr sz="1200"/>
-            </a:lvl2pPr>
-            <a:lvl3pPr marL="914400" indent="0">
-              <a:buNone/>
-              <a:defRPr sz="1000"/>
             </a:lvl3pPr>
-            <a:lvl4pPr marL="1371600" indent="0">
-              <a:buNone/>
-              <a:defRPr sz="900"/>
+            <a:lvl4pPr marL="1920240" indent="0">
+              <a:buNone/>
+              <a:defRPr sz="1300"/>
             </a:lvl4pPr>
-            <a:lvl5pPr marL="1828800" indent="0">
-              <a:buNone/>
-              <a:defRPr sz="900"/>
+            <a:lvl5pPr marL="2560320" indent="0">
+              <a:buNone/>
+              <a:defRPr sz="1300"/>
             </a:lvl5pPr>
-            <a:lvl6pPr marL="2286000" indent="0">
-              <a:buNone/>
-              <a:defRPr sz="900"/>
+            <a:lvl6pPr marL="3200400" indent="0">
+              <a:buNone/>
+              <a:defRPr sz="1300"/>
             </a:lvl6pPr>
-            <a:lvl7pPr marL="2743200" indent="0">
-              <a:buNone/>
-              <a:defRPr sz="900"/>
+            <a:lvl7pPr marL="3840480" indent="0">
+              <a:buNone/>
+              <a:defRPr sz="1300"/>
             </a:lvl7pPr>
-            <a:lvl8pPr marL="3200400" indent="0">
-              <a:buNone/>
-              <a:defRPr sz="900"/>
+            <a:lvl8pPr marL="4480560" indent="0">
+              <a:buNone/>
+              <a:defRPr sz="1300"/>
             </a:lvl8pPr>
-            <a:lvl9pPr marL="3657600" indent="0">
-              <a:buNone/>
-              <a:defRPr sz="900"/>
+            <a:lvl9pPr marL="5120640" indent="0">
+              <a:buNone/>
+              <a:defRPr sz="1300"/>
             </a:lvl9pPr>
           </a:lstStyle>
           <a:p>
@@ -2475,7 +2929,7 @@
             <a:fld id="{1D8BD707-D9CF-40AE-B4C6-C98DA3205C09}" type="datetimeFigureOut">
               <a:rPr lang="en-US" smtClean="0"/>
               <a:pPr/>
-              <a:t>9/18/2006</a:t>
+              <a:t>2/1/2015</a:t>
             </a:fld>
             <a:endParaRPr lang="en-US"/>
           </a:p>
@@ -2566,22 +3020,86 @@
         </p:nvSpPr>
         <p:spPr>
           <a:xfrm>
-            <a:off x="457200" y="274638"/>
-            <a:ext cx="8229600" cy="1143000"/>
+            <a:off x="480060" y="512658"/>
+            <a:ext cx="8641080" cy="2133600"/>
+          </a:xfrm>
+          <a:prstGeom prst="rect">
+            <a:avLst/>
+          </a:prstGeom>
+          <a:noFill/>
+          <a:effectLst/>
+        </p:spPr>
+        <p:txBody>
+          <a:bodyPr vert="horz" lIns="128016" tIns="64008" rIns="128016" bIns="64008" rtlCol="0" anchor="ctr">
+            <a:normAutofit/>
+          </a:bodyPr>
+          <a:lstStyle/>
+          <a:p>
+            <a:r>
+              <a:rPr lang="en-US" smtClean="0"/>
+              <a:t>Click to edit Master title style</a:t>
+            </a:r>
+            <a:endParaRPr lang="en-US" dirty="0"/>
+          </a:p>
+        </p:txBody>
+      </p:sp>
+      <p:sp>
+        <p:nvSpPr>
+          <p:cNvPr id="3" name="Text Placeholder 2"/>
+          <p:cNvSpPr>
+            <a:spLocks noGrp="1"/>
+          </p:cNvSpPr>
+          <p:nvPr>
+            <p:ph type="body" idx="1"/>
+          </p:nvPr>
+        </p:nvSpPr>
+        <p:spPr>
+          <a:xfrm>
+            <a:off x="480060" y="2987041"/>
+            <a:ext cx="8641080" cy="8448464"/>
           </a:xfrm>
           <a:prstGeom prst="rect">
             <a:avLst/>
           </a:prstGeom>
         </p:spPr>
         <p:txBody>
-          <a:bodyPr vert="horz" lIns="91440" tIns="45720" rIns="91440" bIns="45720" rtlCol="0" anchor="ctr">
+          <a:bodyPr vert="horz" lIns="128016" tIns="64008" rIns="128016" bIns="64008" rtlCol="0">
             <a:normAutofit/>
           </a:bodyPr>
           <a:lstStyle/>
           <a:p>
-            <a:r>
-              <a:rPr lang="en-US" smtClean="0"/>
-              <a:t>Click to edit Master title style</a:t>
+            <a:pPr lvl="0"/>
+            <a:r>
+              <a:rPr lang="en-US" smtClean="0"/>
+              <a:t>Click to edit Master text styles</a:t>
+            </a:r>
+          </a:p>
+          <a:p>
+            <a:pPr lvl="1"/>
+            <a:r>
+              <a:rPr lang="en-US" smtClean="0"/>
+              <a:t>Second level</a:t>
+            </a:r>
+          </a:p>
+          <a:p>
+            <a:pPr lvl="2"/>
+            <a:r>
+              <a:rPr lang="en-US" smtClean="0"/>
+              <a:t>Third level</a:t>
+            </a:r>
+          </a:p>
+          <a:p>
+            <a:pPr lvl="3"/>
+            <a:r>
+              <a:rPr lang="en-US" smtClean="0"/>
+              <a:t>Fourth level</a:t>
+            </a:r>
+          </a:p>
+          <a:p>
+            <a:pPr lvl="4"/>
+            <a:r>
+              <a:rPr lang="en-US" smtClean="0"/>
+              <a:t>Fifth level</a:t>
             </a:r>
             <a:endParaRPr lang="en-US"/>
           </a:p>
@@ -2589,90 +3107,70 @@
       </p:sp>
       <p:sp>
         <p:nvSpPr>
-          <p:cNvPr id="3" name="Text Placeholder 2"/>
-          <p:cNvSpPr>
-            <a:spLocks noGrp="1"/>
-          </p:cNvSpPr>
-          <p:nvPr>
-            <p:ph type="body" idx="1"/>
+          <p:cNvPr id="4" name="Date Placeholder 3"/>
+          <p:cNvSpPr>
+            <a:spLocks noGrp="1"/>
+          </p:cNvSpPr>
+          <p:nvPr>
+            <p:ph type="dt" sz="half" idx="2"/>
           </p:nvPr>
         </p:nvSpPr>
         <p:spPr>
           <a:xfrm>
-            <a:off x="457200" y="1600200"/>
-            <a:ext cx="8229600" cy="4525963"/>
+            <a:off x="480060" y="11865187"/>
+            <a:ext cx="2240280" cy="681567"/>
           </a:xfrm>
           <a:prstGeom prst="rect">
             <a:avLst/>
           </a:prstGeom>
         </p:spPr>
         <p:txBody>
-          <a:bodyPr vert="horz" lIns="91440" tIns="45720" rIns="91440" bIns="45720" rtlCol="0">
-            <a:normAutofit/>
-          </a:bodyPr>
-          <a:lstStyle/>
-          <a:p>
-            <a:pPr lvl="0"/>
-            <a:r>
-              <a:rPr lang="en-US" smtClean="0"/>
-              <a:t>Click to edit Master text styles</a:t>
-            </a:r>
-          </a:p>
-          <a:p>
-            <a:pPr lvl="1"/>
-            <a:r>
-              <a:rPr lang="en-US" smtClean="0"/>
-              <a:t>Second level</a:t>
-            </a:r>
-          </a:p>
-          <a:p>
-            <a:pPr lvl="2"/>
-            <a:r>
-              <a:rPr lang="en-US" smtClean="0"/>
-              <a:t>Third level</a:t>
-            </a:r>
-          </a:p>
-          <a:p>
-            <a:pPr lvl="3"/>
-            <a:r>
-              <a:rPr lang="en-US" smtClean="0"/>
-              <a:t>Fourth level</a:t>
-            </a:r>
-          </a:p>
-          <a:p>
-            <a:pPr lvl="4"/>
-            <a:r>
-              <a:rPr lang="en-US" smtClean="0"/>
-              <a:t>Fifth level</a:t>
-            </a:r>
+          <a:bodyPr vert="horz" lIns="128016" tIns="64008" rIns="128016" bIns="64008" rtlCol="0" anchor="ctr"/>
+          <a:lstStyle>
+            <a:lvl1pPr algn="l">
+              <a:defRPr sz="1700">
+                <a:solidFill>
+                  <a:schemeClr val="tx1">
+                    <a:tint val="75000"/>
+                  </a:schemeClr>
+                </a:solidFill>
+              </a:defRPr>
+            </a:lvl1pPr>
+          </a:lstStyle>
+          <a:p>
+            <a:fld id="{1D8BD707-D9CF-40AE-B4C6-C98DA3205C09}" type="datetimeFigureOut">
+              <a:rPr lang="en-US" smtClean="0"/>
+              <a:pPr/>
+              <a:t>2/1/2015</a:t>
+            </a:fld>
             <a:endParaRPr lang="en-US"/>
           </a:p>
         </p:txBody>
       </p:sp>
       <p:sp>
         <p:nvSpPr>
-          <p:cNvPr id="4" name="Date Placeholder 3"/>
-          <p:cNvSpPr>
-            <a:spLocks noGrp="1"/>
-          </p:cNvSpPr>
-          <p:nvPr>
-            <p:ph type="dt" sz="half" idx="2"/>
+          <p:cNvPr id="5" name="Footer Placeholder 4"/>
+          <p:cNvSpPr>
+            <a:spLocks noGrp="1"/>
+          </p:cNvSpPr>
+          <p:nvPr>
+            <p:ph type="ftr" sz="quarter" idx="3"/>
           </p:nvPr>
         </p:nvSpPr>
         <p:spPr>
           <a:xfrm>
-            <a:off x="457200" y="6356350"/>
-            <a:ext cx="2133600" cy="365125"/>
+            <a:off x="3280410" y="11865187"/>
+            <a:ext cx="3040380" cy="681567"/>
           </a:xfrm>
           <a:prstGeom prst="rect">
             <a:avLst/>
           </a:prstGeom>
         </p:spPr>
         <p:txBody>
-          <a:bodyPr vert="horz" lIns="91440" tIns="45720" rIns="91440" bIns="45720" rtlCol="0" anchor="ctr"/>
+          <a:bodyPr vert="horz" lIns="128016" tIns="64008" rIns="128016" bIns="64008" rtlCol="0" anchor="ctr"/>
           <a:lstStyle>
-            <a:lvl1pPr algn="l">
-              <a:defRPr sz="1200">
+            <a:lvl1pPr algn="ctr">
+              <a:defRPr sz="1700">
                 <a:solidFill>
                   <a:schemeClr val="tx1">
                     <a:tint val="75000"/>
@@ -2682,76 +3180,34 @@
             </a:lvl1pPr>
           </a:lstStyle>
           <a:p>
-            <a:fld id="{1D8BD707-D9CF-40AE-B4C6-C98DA3205C09}" type="datetimeFigureOut">
-              <a:rPr lang="en-US" smtClean="0"/>
-              <a:pPr/>
-              <a:t>9/18/2006</a:t>
-            </a:fld>
             <a:endParaRPr lang="en-US"/>
           </a:p>
         </p:txBody>
       </p:sp>
       <p:sp>
         <p:nvSpPr>
-          <p:cNvPr id="5" name="Footer Placeholder 4"/>
-          <p:cNvSpPr>
-            <a:spLocks noGrp="1"/>
-          </p:cNvSpPr>
-          <p:nvPr>
-            <p:ph type="ftr" sz="quarter" idx="3"/>
+          <p:cNvPr id="6" name="Slide Number Placeholder 5"/>
+          <p:cNvSpPr>
+            <a:spLocks noGrp="1"/>
+          </p:cNvSpPr>
+          <p:nvPr>
+            <p:ph type="sldNum" sz="quarter" idx="4"/>
           </p:nvPr>
         </p:nvSpPr>
         <p:spPr>
           <a:xfrm>
-            <a:off x="3124200" y="6356350"/>
-            <a:ext cx="2895600" cy="365125"/>
+            <a:off x="6880860" y="11865187"/>
+            <a:ext cx="2240280" cy="681567"/>
           </a:xfrm>
           <a:prstGeom prst="rect">
             <a:avLst/>
           </a:prstGeom>
         </p:spPr>
         <p:txBody>
-          <a:bodyPr vert="horz" lIns="91440" tIns="45720" rIns="91440" bIns="45720" rtlCol="0" anchor="ctr"/>
-          <a:lstStyle>
-            <a:lvl1pPr algn="ctr">
-              <a:defRPr sz="1200">
-                <a:solidFill>
-                  <a:schemeClr val="tx1">
-                    <a:tint val="75000"/>
-                  </a:schemeClr>
-                </a:solidFill>
-              </a:defRPr>
-            </a:lvl1pPr>
-          </a:lstStyle>
-          <a:p>
-            <a:endParaRPr lang="en-US"/>
-          </a:p>
-        </p:txBody>
-      </p:sp>
-      <p:sp>
-        <p:nvSpPr>
-          <p:cNvPr id="6" name="Slide Number Placeholder 5"/>
-          <p:cNvSpPr>
-            <a:spLocks noGrp="1"/>
-          </p:cNvSpPr>
-          <p:nvPr>
-            <p:ph type="sldNum" sz="quarter" idx="4"/>
-          </p:nvPr>
-        </p:nvSpPr>
-        <p:spPr>
-          <a:xfrm>
-            <a:off x="6553200" y="6356350"/>
-            <a:ext cx="2133600" cy="365125"/>
-          </a:xfrm>
-          <a:prstGeom prst="rect">
-            <a:avLst/>
-          </a:prstGeom>
-        </p:spPr>
-        <p:txBody>
-          <a:bodyPr vert="horz" lIns="91440" tIns="45720" rIns="91440" bIns="45720" rtlCol="0" anchor="ctr"/>
+          <a:bodyPr vert="horz" lIns="128016" tIns="64008" rIns="128016" bIns="64008" rtlCol="0" anchor="ctr"/>
           <a:lstStyle>
             <a:lvl1pPr algn="r">
-              <a:defRPr sz="1200">
+              <a:defRPr sz="1700">
                 <a:solidFill>
                   <a:schemeClr val="tx1">
                     <a:tint val="75000"/>
@@ -2774,52 +3230,89 @@
   </p:cSld>
   <p:clrMap bg1="lt1" tx1="dk1" bg2="lt2" tx2="dk2" accent1="accent1" accent2="accent2" accent3="accent3" accent4="accent4" accent5="accent5" accent6="accent6" hlink="hlink" folHlink="folHlink"/>
   <p:sldLayoutIdLst>
-    <p:sldLayoutId id="2147483649" r:id="rId1"/>
-    <p:sldLayoutId id="2147483650" r:id="rId2"/>
-    <p:sldLayoutId id="2147483651" r:id="rId3"/>
-    <p:sldLayoutId id="2147483652" r:id="rId4"/>
-    <p:sldLayoutId id="2147483653" r:id="rId5"/>
-    <p:sldLayoutId id="2147483654" r:id="rId6"/>
-    <p:sldLayoutId id="2147483655" r:id="rId7"/>
-    <p:sldLayoutId id="2147483656" r:id="rId8"/>
-    <p:sldLayoutId id="2147483657" r:id="rId9"/>
-    <p:sldLayoutId id="2147483658" r:id="rId10"/>
-    <p:sldLayoutId id="2147483659" r:id="rId11"/>
+    <p:sldLayoutId id="2147483661" r:id="rId1"/>
+    <p:sldLayoutId id="2147483662" r:id="rId2"/>
+    <p:sldLayoutId id="2147483663" r:id="rId3"/>
+    <p:sldLayoutId id="2147483664" r:id="rId4"/>
+    <p:sldLayoutId id="2147483665" r:id="rId5"/>
+    <p:sldLayoutId id="2147483666" r:id="rId6"/>
+    <p:sldLayoutId id="2147483667" r:id="rId7"/>
+    <p:sldLayoutId id="2147483668" r:id="rId8"/>
+    <p:sldLayoutId id="2147483669" r:id="rId9"/>
+    <p:sldLayoutId id="2147483670" r:id="rId10"/>
+    <p:sldLayoutId id="2147483671" r:id="rId11"/>
   </p:sldLayoutIdLst>
+  <p:timing>
+    <p:tnLst>
+      <p:par>
+        <p:cTn id="1" dur="indefinite" restart="never" nodeType="tmRoot"/>
+      </p:par>
+    </p:tnLst>
+  </p:timing>
   <p:txStyles>
     <p:titleStyle>
-      <a:lvl1pPr algn="ctr" defTabSz="914400" rtl="0" eaLnBrk="1" latinLnBrk="0" hangingPunct="1">
+      <a:lvl1pPr algn="ctr" defTabSz="1280160" rtl="0" eaLnBrk="1" latinLnBrk="0" hangingPunct="1">
         <a:spcBef>
           <a:spcPct val="0"/>
         </a:spcBef>
         <a:buNone/>
-        <a:defRPr sz="4400" kern="1200">
+        <a:defRPr sz="6200" b="0" i="0" kern="1200">
           <a:solidFill>
             <a:schemeClr val="tx1"/>
           </a:solidFill>
-          <a:latin typeface="+mj-lt"/>
-          <a:ea typeface="+mj-ea"/>
-          <a:cs typeface="+mj-cs"/>
+          <a:latin typeface="Open Sans" panose="020B0606030504020204" pitchFamily="34" charset="0"/>
+          <a:ea typeface="Open Sans" panose="020B0606030504020204" pitchFamily="34" charset="0"/>
+          <a:cs typeface="Open Sans" panose="020B0606030504020204" pitchFamily="34" charset="0"/>
         </a:defRPr>
       </a:lvl1pPr>
     </p:titleStyle>
     <p:bodyStyle>
-      <a:lvl1pPr marL="342900" indent="-342900" algn="l" defTabSz="914400" rtl="0" eaLnBrk="1" latinLnBrk="0" hangingPunct="1">
+      <a:lvl1pPr marL="480060" indent="-480060" algn="l" defTabSz="1280160" rtl="0" eaLnBrk="1" latinLnBrk="0" hangingPunct="1">
         <a:spcBef>
           <a:spcPct val="20000"/>
         </a:spcBef>
         <a:buFont typeface="Arial" pitchFamily="34" charset="0"/>
         <a:buChar char="•"/>
-        <a:defRPr sz="3200" kern="1200">
+        <a:defRPr sz="4500" kern="1200">
           <a:solidFill>
             <a:schemeClr val="tx1"/>
           </a:solidFill>
-          <a:latin typeface="+mn-lt"/>
-          <a:ea typeface="+mn-ea"/>
-          <a:cs typeface="+mn-cs"/>
+          <a:latin typeface="Open Sans" panose="020B0606030504020204" pitchFamily="34" charset="0"/>
+          <a:ea typeface="Open Sans" panose="020B0606030504020204" pitchFamily="34" charset="0"/>
+          <a:cs typeface="Open Sans" panose="020B0606030504020204" pitchFamily="34" charset="0"/>
         </a:defRPr>
       </a:lvl1pPr>
-      <a:lvl2pPr marL="742950" indent="-285750" algn="l" defTabSz="914400" rtl="0" eaLnBrk="1" latinLnBrk="0" hangingPunct="1">
+      <a:lvl2pPr marL="1040130" indent="-400050" algn="l" defTabSz="1280160" rtl="0" eaLnBrk="1" latinLnBrk="0" hangingPunct="1">
+        <a:spcBef>
+          <a:spcPct val="20000"/>
+        </a:spcBef>
+        <a:buFont typeface="Arial" pitchFamily="34" charset="0"/>
+        <a:buChar char="–"/>
+        <a:defRPr sz="3900" kern="1200">
+          <a:solidFill>
+            <a:schemeClr val="tx1"/>
+          </a:solidFill>
+          <a:latin typeface="Open Sans" panose="020B0606030504020204" pitchFamily="34" charset="0"/>
+          <a:ea typeface="Open Sans" panose="020B0606030504020204" pitchFamily="34" charset="0"/>
+          <a:cs typeface="Open Sans" panose="020B0606030504020204" pitchFamily="34" charset="0"/>
+        </a:defRPr>
+      </a:lvl2pPr>
+      <a:lvl3pPr marL="1600200" indent="-320040" algn="l" defTabSz="1280160" rtl="0" eaLnBrk="1" latinLnBrk="0" hangingPunct="1">
+        <a:spcBef>
+          <a:spcPct val="20000"/>
+        </a:spcBef>
+        <a:buFont typeface="Arial" pitchFamily="34" charset="0"/>
+        <a:buChar char="•"/>
+        <a:defRPr sz="3400" kern="1200">
+          <a:solidFill>
+            <a:schemeClr val="tx1"/>
+          </a:solidFill>
+          <a:latin typeface="Open Sans" panose="020B0606030504020204" pitchFamily="34" charset="0"/>
+          <a:ea typeface="Open Sans" panose="020B0606030504020204" pitchFamily="34" charset="0"/>
+          <a:cs typeface="Open Sans" panose="020B0606030504020204" pitchFamily="34" charset="0"/>
+        </a:defRPr>
+      </a:lvl3pPr>
+      <a:lvl4pPr marL="2240280" indent="-320040" algn="l" defTabSz="1280160" rtl="0" eaLnBrk="1" latinLnBrk="0" hangingPunct="1">
         <a:spcBef>
           <a:spcPct val="20000"/>
         </a:spcBef>
@@ -2829,63 +3322,33 @@
           <a:solidFill>
             <a:schemeClr val="tx1"/>
           </a:solidFill>
-          <a:latin typeface="+mn-lt"/>
-          <a:ea typeface="+mn-ea"/>
-          <a:cs typeface="+mn-cs"/>
+          <a:latin typeface="Open Sans" panose="020B0606030504020204" pitchFamily="34" charset="0"/>
+          <a:ea typeface="Open Sans" panose="020B0606030504020204" pitchFamily="34" charset="0"/>
+          <a:cs typeface="Open Sans" panose="020B0606030504020204" pitchFamily="34" charset="0"/>
         </a:defRPr>
-      </a:lvl2pPr>
-      <a:lvl3pPr marL="1143000" indent="-228600" algn="l" defTabSz="914400" rtl="0" eaLnBrk="1" latinLnBrk="0" hangingPunct="1">
+      </a:lvl4pPr>
+      <a:lvl5pPr marL="2880360" indent="-320040" algn="l" defTabSz="1280160" rtl="0" eaLnBrk="1" latinLnBrk="0" hangingPunct="1">
+        <a:spcBef>
+          <a:spcPct val="20000"/>
+        </a:spcBef>
+        <a:buFont typeface="Arial" pitchFamily="34" charset="0"/>
+        <a:buChar char="»"/>
+        <a:defRPr sz="2800" kern="1200">
+          <a:solidFill>
+            <a:schemeClr val="tx1"/>
+          </a:solidFill>
+          <a:latin typeface="Open Sans" panose="020B0606030504020204" pitchFamily="34" charset="0"/>
+          <a:ea typeface="Open Sans" panose="020B0606030504020204" pitchFamily="34" charset="0"/>
+          <a:cs typeface="Open Sans" panose="020B0606030504020204" pitchFamily="34" charset="0"/>
+        </a:defRPr>
+      </a:lvl5pPr>
+      <a:lvl6pPr marL="3520440" indent="-320040" algn="l" defTabSz="1280160" rtl="0" eaLnBrk="1" latinLnBrk="0" hangingPunct="1">
         <a:spcBef>
           <a:spcPct val="20000"/>
         </a:spcBef>
         <a:buFont typeface="Arial" pitchFamily="34" charset="0"/>
         <a:buChar char="•"/>
-        <a:defRPr sz="2400" kern="1200">
-          <a:solidFill>
-            <a:schemeClr val="tx1"/>
-          </a:solidFill>
-          <a:latin typeface="+mn-lt"/>
-          <a:ea typeface="+mn-ea"/>
-          <a:cs typeface="+mn-cs"/>
-        </a:defRPr>
-      </a:lvl3pPr>
-      <a:lvl4pPr marL="1600200" indent="-228600" algn="l" defTabSz="914400" rtl="0" eaLnBrk="1" latinLnBrk="0" hangingPunct="1">
-        <a:spcBef>
-          <a:spcPct val="20000"/>
-        </a:spcBef>
-        <a:buFont typeface="Arial" pitchFamily="34" charset="0"/>
-        <a:buChar char="–"/>
-        <a:defRPr sz="2000" kern="1200">
-          <a:solidFill>
-            <a:schemeClr val="tx1"/>
-          </a:solidFill>
-          <a:latin typeface="+mn-lt"/>
-          <a:ea typeface="+mn-ea"/>
-          <a:cs typeface="+mn-cs"/>
-        </a:defRPr>
-      </a:lvl4pPr>
-      <a:lvl5pPr marL="2057400" indent="-228600" algn="l" defTabSz="914400" rtl="0" eaLnBrk="1" latinLnBrk="0" hangingPunct="1">
-        <a:spcBef>
-          <a:spcPct val="20000"/>
-        </a:spcBef>
-        <a:buFont typeface="Arial" pitchFamily="34" charset="0"/>
-        <a:buChar char="»"/>
-        <a:defRPr sz="2000" kern="1200">
-          <a:solidFill>
-            <a:schemeClr val="tx1"/>
-          </a:solidFill>
-          <a:latin typeface="+mn-lt"/>
-          <a:ea typeface="+mn-ea"/>
-          <a:cs typeface="+mn-cs"/>
-        </a:defRPr>
-      </a:lvl5pPr>
-      <a:lvl6pPr marL="2514600" indent="-228600" algn="l" defTabSz="914400" rtl="0" eaLnBrk="1" latinLnBrk="0" hangingPunct="1">
-        <a:spcBef>
-          <a:spcPct val="20000"/>
-        </a:spcBef>
-        <a:buFont typeface="Arial" pitchFamily="34" charset="0"/>
-        <a:buChar char="•"/>
-        <a:defRPr sz="2000" kern="1200">
+        <a:defRPr sz="2800" kern="1200">
           <a:solidFill>
             <a:schemeClr val="tx1"/>
           </a:solidFill>
@@ -2894,13 +3357,13 @@
           <a:cs typeface="+mn-cs"/>
         </a:defRPr>
       </a:lvl6pPr>
-      <a:lvl7pPr marL="2971800" indent="-228600" algn="l" defTabSz="914400" rtl="0" eaLnBrk="1" latinLnBrk="0" hangingPunct="1">
+      <a:lvl7pPr marL="4160520" indent="-320040" algn="l" defTabSz="1280160" rtl="0" eaLnBrk="1" latinLnBrk="0" hangingPunct="1">
         <a:spcBef>
           <a:spcPct val="20000"/>
         </a:spcBef>
         <a:buFont typeface="Arial" pitchFamily="34" charset="0"/>
         <a:buChar char="•"/>
-        <a:defRPr sz="2000" kern="1200">
+        <a:defRPr sz="2800" kern="1200">
           <a:solidFill>
             <a:schemeClr val="tx1"/>
           </a:solidFill>
@@ -2909,13 +3372,13 @@
           <a:cs typeface="+mn-cs"/>
         </a:defRPr>
       </a:lvl7pPr>
-      <a:lvl8pPr marL="3429000" indent="-228600" algn="l" defTabSz="914400" rtl="0" eaLnBrk="1" latinLnBrk="0" hangingPunct="1">
+      <a:lvl8pPr marL="4800600" indent="-320040" algn="l" defTabSz="1280160" rtl="0" eaLnBrk="1" latinLnBrk="0" hangingPunct="1">
         <a:spcBef>
           <a:spcPct val="20000"/>
         </a:spcBef>
         <a:buFont typeface="Arial" pitchFamily="34" charset="0"/>
         <a:buChar char="•"/>
-        <a:defRPr sz="2000" kern="1200">
+        <a:defRPr sz="2800" kern="1200">
           <a:solidFill>
             <a:schemeClr val="tx1"/>
           </a:solidFill>
@@ -2924,13 +3387,13 @@
           <a:cs typeface="+mn-cs"/>
         </a:defRPr>
       </a:lvl8pPr>
-      <a:lvl9pPr marL="3886200" indent="-228600" algn="l" defTabSz="914400" rtl="0" eaLnBrk="1" latinLnBrk="0" hangingPunct="1">
+      <a:lvl9pPr marL="5440680" indent="-320040" algn="l" defTabSz="1280160" rtl="0" eaLnBrk="1" latinLnBrk="0" hangingPunct="1">
         <a:spcBef>
           <a:spcPct val="20000"/>
         </a:spcBef>
         <a:buFont typeface="Arial" pitchFamily="34" charset="0"/>
         <a:buChar char="•"/>
-        <a:defRPr sz="2000" kern="1200">
+        <a:defRPr sz="2800" kern="1200">
           <a:solidFill>
             <a:schemeClr val="tx1"/>
           </a:solidFill>
@@ -2944,8 +3407,8 @@
       <a:defPPr>
         <a:defRPr lang="en-US"/>
       </a:defPPr>
-      <a:lvl1pPr marL="0" algn="l" defTabSz="914400" rtl="0" eaLnBrk="1" latinLnBrk="0" hangingPunct="1">
-        <a:defRPr sz="1800" kern="1200">
+      <a:lvl1pPr marL="0" algn="l" defTabSz="1280160" rtl="0" eaLnBrk="1" latinLnBrk="0" hangingPunct="1">
+        <a:defRPr sz="2500" kern="1200">
           <a:solidFill>
             <a:schemeClr val="tx1"/>
           </a:solidFill>
@@ -2954,8 +3417,8 @@
           <a:cs typeface="+mn-cs"/>
         </a:defRPr>
       </a:lvl1pPr>
-      <a:lvl2pPr marL="457200" algn="l" defTabSz="914400" rtl="0" eaLnBrk="1" latinLnBrk="0" hangingPunct="1">
-        <a:defRPr sz="1800" kern="1200">
+      <a:lvl2pPr marL="640080" algn="l" defTabSz="1280160" rtl="0" eaLnBrk="1" latinLnBrk="0" hangingPunct="1">
+        <a:defRPr sz="2500" kern="1200">
           <a:solidFill>
             <a:schemeClr val="tx1"/>
           </a:solidFill>
@@ -2964,8 +3427,8 @@
           <a:cs typeface="+mn-cs"/>
         </a:defRPr>
       </a:lvl2pPr>
-      <a:lvl3pPr marL="914400" algn="l" defTabSz="914400" rtl="0" eaLnBrk="1" latinLnBrk="0" hangingPunct="1">
-        <a:defRPr sz="1800" kern="1200">
+      <a:lvl3pPr marL="1280160" algn="l" defTabSz="1280160" rtl="0" eaLnBrk="1" latinLnBrk="0" hangingPunct="1">
+        <a:defRPr sz="2500" kern="1200">
           <a:solidFill>
             <a:schemeClr val="tx1"/>
           </a:solidFill>
@@ -2974,8 +3437,8 @@
           <a:cs typeface="+mn-cs"/>
         </a:defRPr>
       </a:lvl3pPr>
-      <a:lvl4pPr marL="1371600" algn="l" defTabSz="914400" rtl="0" eaLnBrk="1" latinLnBrk="0" hangingPunct="1">
-        <a:defRPr sz="1800" kern="1200">
+      <a:lvl4pPr marL="1920240" algn="l" defTabSz="1280160" rtl="0" eaLnBrk="1" latinLnBrk="0" hangingPunct="1">
+        <a:defRPr sz="2500" kern="1200">
           <a:solidFill>
             <a:schemeClr val="tx1"/>
           </a:solidFill>
@@ -2984,8 +3447,8 @@
           <a:cs typeface="+mn-cs"/>
         </a:defRPr>
       </a:lvl4pPr>
-      <a:lvl5pPr marL="1828800" algn="l" defTabSz="914400" rtl="0" eaLnBrk="1" latinLnBrk="0" hangingPunct="1">
-        <a:defRPr sz="1800" kern="1200">
+      <a:lvl5pPr marL="2560320" algn="l" defTabSz="1280160" rtl="0" eaLnBrk="1" latinLnBrk="0" hangingPunct="1">
+        <a:defRPr sz="2500" kern="1200">
           <a:solidFill>
             <a:schemeClr val="tx1"/>
           </a:solidFill>
@@ -2994,8 +3457,8 @@
           <a:cs typeface="+mn-cs"/>
         </a:defRPr>
       </a:lvl5pPr>
-      <a:lvl6pPr marL="2286000" algn="l" defTabSz="914400" rtl="0" eaLnBrk="1" latinLnBrk="0" hangingPunct="1">
-        <a:defRPr sz="1800" kern="1200">
+      <a:lvl6pPr marL="3200400" algn="l" defTabSz="1280160" rtl="0" eaLnBrk="1" latinLnBrk="0" hangingPunct="1">
+        <a:defRPr sz="2500" kern="1200">
           <a:solidFill>
             <a:schemeClr val="tx1"/>
           </a:solidFill>
@@ -3004,8 +3467,8 @@
           <a:cs typeface="+mn-cs"/>
         </a:defRPr>
       </a:lvl6pPr>
-      <a:lvl7pPr marL="2743200" algn="l" defTabSz="914400" rtl="0" eaLnBrk="1" latinLnBrk="0" hangingPunct="1">
-        <a:defRPr sz="1800" kern="1200">
+      <a:lvl7pPr marL="3840480" algn="l" defTabSz="1280160" rtl="0" eaLnBrk="1" latinLnBrk="0" hangingPunct="1">
+        <a:defRPr sz="2500" kern="1200">
           <a:solidFill>
             <a:schemeClr val="tx1"/>
           </a:solidFill>
@@ -3014,8 +3477,8 @@
           <a:cs typeface="+mn-cs"/>
         </a:defRPr>
       </a:lvl7pPr>
-      <a:lvl8pPr marL="3200400" algn="l" defTabSz="914400" rtl="0" eaLnBrk="1" latinLnBrk="0" hangingPunct="1">
-        <a:defRPr sz="1800" kern="1200">
+      <a:lvl8pPr marL="4480560" algn="l" defTabSz="1280160" rtl="0" eaLnBrk="1" latinLnBrk="0" hangingPunct="1">
+        <a:defRPr sz="2500" kern="1200">
           <a:solidFill>
             <a:schemeClr val="tx1"/>
           </a:solidFill>
@@ -3024,8 +3487,8 @@
           <a:cs typeface="+mn-cs"/>
         </a:defRPr>
       </a:lvl8pPr>
-      <a:lvl9pPr marL="3657600" algn="l" defTabSz="914400" rtl="0" eaLnBrk="1" latinLnBrk="0" hangingPunct="1">
-        <a:defRPr sz="1800" kern="1200">
+      <a:lvl9pPr marL="5120640" algn="l" defTabSz="1280160" rtl="0" eaLnBrk="1" latinLnBrk="0" hangingPunct="1">
+        <a:defRPr sz="2500" kern="1200">
           <a:solidFill>
             <a:schemeClr val="tx1"/>
           </a:solidFill>
@@ -3039,8 +3502,1560 @@
 </p:sldMaster>
 </file>
 
+<file path=ppt/slides/slide1.xml><?xml version="1.0" encoding="utf-8"?>
+<p:sld xmlns:a="http://schemas.openxmlformats.org/drawingml/2006/main" xmlns:r="http://schemas.openxmlformats.org/officeDocument/2006/relationships" xmlns:p="http://schemas.openxmlformats.org/presentationml/2006/main">
+  <p:cSld>
+    <p:spTree>
+      <p:nvGrpSpPr>
+        <p:cNvPr id="1" name=""/>
+        <p:cNvGrpSpPr/>
+        <p:nvPr/>
+      </p:nvGrpSpPr>
+      <p:grpSpPr>
+        <a:xfrm>
+          <a:off x="0" y="0"/>
+          <a:ext cx="0" cy="0"/>
+          <a:chOff x="0" y="0"/>
+          <a:chExt cx="0" cy="0"/>
+        </a:xfrm>
+      </p:grpSpPr>
+      <p:sp>
+        <p:nvSpPr>
+          <p:cNvPr id="38" name="Rectangle 37"/>
+          <p:cNvSpPr/>
+          <p:nvPr/>
+        </p:nvSpPr>
+        <p:spPr>
+          <a:xfrm>
+            <a:off x="228600" y="230175"/>
+            <a:ext cx="9144000" cy="3046425"/>
+          </a:xfrm>
+          <a:prstGeom prst="rect">
+            <a:avLst/>
+          </a:prstGeom>
+          <a:solidFill>
+            <a:schemeClr val="bg1">
+              <a:lumMod val="95000"/>
+            </a:schemeClr>
+          </a:solidFill>
+          <a:ln>
+            <a:noFill/>
+          </a:ln>
+        </p:spPr>
+        <p:style>
+          <a:lnRef idx="2">
+            <a:schemeClr val="accent1">
+              <a:shade val="50000"/>
+            </a:schemeClr>
+          </a:lnRef>
+          <a:fillRef idx="1">
+            <a:schemeClr val="accent1"/>
+          </a:fillRef>
+          <a:effectRef idx="0">
+            <a:schemeClr val="accent1"/>
+          </a:effectRef>
+          <a:fontRef idx="minor">
+            <a:schemeClr val="lt1"/>
+          </a:fontRef>
+        </p:style>
+        <p:txBody>
+          <a:bodyPr rtlCol="0" anchor="ctr"/>
+          <a:lstStyle/>
+          <a:p>
+            <a:pPr algn="ctr"/>
+            <a:endParaRPr lang="et-EE"/>
+          </a:p>
+        </p:txBody>
+      </p:sp>
+      <p:sp>
+        <p:nvSpPr>
+          <p:cNvPr id="22" name="Rectangle 21"/>
+          <p:cNvSpPr/>
+          <p:nvPr/>
+        </p:nvSpPr>
+        <p:spPr>
+          <a:xfrm>
+            <a:off x="228600" y="9316119"/>
+            <a:ext cx="9144000" cy="3275025"/>
+          </a:xfrm>
+          <a:prstGeom prst="rect">
+            <a:avLst/>
+          </a:prstGeom>
+          <a:solidFill>
+            <a:schemeClr val="bg1">
+              <a:lumMod val="95000"/>
+            </a:schemeClr>
+          </a:solidFill>
+          <a:ln>
+            <a:noFill/>
+          </a:ln>
+        </p:spPr>
+        <p:style>
+          <a:lnRef idx="2">
+            <a:schemeClr val="accent1">
+              <a:shade val="50000"/>
+            </a:schemeClr>
+          </a:lnRef>
+          <a:fillRef idx="1">
+            <a:schemeClr val="accent1"/>
+          </a:fillRef>
+          <a:effectRef idx="0">
+            <a:schemeClr val="accent1"/>
+          </a:effectRef>
+          <a:fontRef idx="minor">
+            <a:schemeClr val="lt1"/>
+          </a:fontRef>
+        </p:style>
+        <p:txBody>
+          <a:bodyPr rtlCol="0" anchor="ctr"/>
+          <a:lstStyle/>
+          <a:p>
+            <a:pPr algn="ctr"/>
+            <a:endParaRPr lang="et-EE"/>
+          </a:p>
+        </p:txBody>
+      </p:sp>
+      <p:sp>
+        <p:nvSpPr>
+          <p:cNvPr id="2" name="Title 1"/>
+          <p:cNvSpPr>
+            <a:spLocks noGrp="1"/>
+          </p:cNvSpPr>
+          <p:nvPr>
+            <p:ph type="title"/>
+          </p:nvPr>
+        </p:nvSpPr>
+        <p:spPr>
+          <a:xfrm>
+            <a:off x="480060" y="152400"/>
+            <a:ext cx="8641080" cy="2133600"/>
+          </a:xfrm>
+        </p:spPr>
+        <p:txBody>
+          <a:bodyPr>
+            <a:normAutofit/>
+          </a:bodyPr>
+          <a:lstStyle/>
+          <a:p>
+            <a:pPr algn="just"/>
+            <a:r>
+              <a:rPr lang="et-EE" sz="4800" dirty="0" smtClean="0">
+                <a:latin typeface="Open Sans Semibold" panose="020B0706030804020204" pitchFamily="34" charset="0"/>
+                <a:ea typeface="Open Sans Semibold" panose="020B0706030804020204" pitchFamily="34" charset="0"/>
+                <a:cs typeface="Open Sans Semibold" panose="020B0706030804020204" pitchFamily="34" charset="0"/>
+              </a:rPr>
+              <a:t>What if you could </a:t>
+            </a:r>
+            <a:r>
+              <a:rPr lang="et-EE" sz="4800" b="1" dirty="0" smtClean="0"/>
+              <a:t>see</a:t>
+            </a:r>
+            <a:r>
+              <a:rPr lang="et-EE" sz="4800" dirty="0" smtClean="0">
+                <a:latin typeface="Open Sans Semibold" panose="020B0706030804020204" pitchFamily="34" charset="0"/>
+                <a:ea typeface="Open Sans Semibold" panose="020B0706030804020204" pitchFamily="34" charset="0"/>
+                <a:cs typeface="Open Sans Semibold" panose="020B0706030804020204" pitchFamily="34" charset="0"/>
+              </a:rPr>
+              <a:t> every aspect of your study habits?</a:t>
+            </a:r>
+            <a:endParaRPr lang="et-EE" sz="4800" dirty="0">
+              <a:latin typeface="Open Sans Semibold" panose="020B0706030804020204" pitchFamily="34" charset="0"/>
+              <a:ea typeface="Open Sans Semibold" panose="020B0706030804020204" pitchFamily="34" charset="0"/>
+              <a:cs typeface="Open Sans Semibold" panose="020B0706030804020204" pitchFamily="34" charset="0"/>
+            </a:endParaRPr>
+          </a:p>
+        </p:txBody>
+      </p:sp>
+      <p:sp>
+        <p:nvSpPr>
+          <p:cNvPr id="4" name="Content Placeholder 3"/>
+          <p:cNvSpPr>
+            <a:spLocks noGrp="1"/>
+          </p:cNvSpPr>
+          <p:nvPr>
+            <p:ph idx="1"/>
+          </p:nvPr>
+        </p:nvSpPr>
+        <p:spPr>
+          <a:xfrm>
+            <a:off x="354330" y="2286000"/>
+            <a:ext cx="8892540" cy="990600"/>
+          </a:xfrm>
+        </p:spPr>
+        <p:txBody>
+          <a:bodyPr>
+            <a:noAutofit/>
+          </a:bodyPr>
+          <a:lstStyle/>
+          <a:p>
+            <a:pPr marL="0" indent="0" algn="just">
+              <a:buNone/>
+            </a:pPr>
+            <a:r>
+              <a:rPr lang="et-EE" sz="2400" dirty="0" smtClean="0"/>
+              <a:t>If you have data, you can now. And the best part? The graphs are so pretty you’ll never get tired of looking at them.</a:t>
+            </a:r>
+            <a:endParaRPr lang="et-EE" sz="2400" dirty="0"/>
+          </a:p>
+        </p:txBody>
+      </p:sp>
+      <p:grpSp>
+        <p:nvGrpSpPr>
+          <p:cNvPr id="9" name="Group 8"/>
+          <p:cNvGrpSpPr/>
+          <p:nvPr/>
+        </p:nvGrpSpPr>
+        <p:grpSpPr>
+          <a:xfrm>
+            <a:off x="2116138" y="3579318"/>
+            <a:ext cx="6664325" cy="1733550"/>
+            <a:chOff x="768350" y="5734050"/>
+            <a:chExt cx="6664325" cy="1733550"/>
+          </a:xfrm>
+        </p:grpSpPr>
+        <p:grpSp>
+          <p:nvGrpSpPr>
+            <p:cNvPr id="5" name="Group 4"/>
+            <p:cNvGrpSpPr/>
+            <p:nvPr/>
+          </p:nvGrpSpPr>
+          <p:grpSpPr>
+            <a:xfrm>
+              <a:off x="768350" y="5734050"/>
+              <a:ext cx="3651250" cy="1733550"/>
+              <a:chOff x="685800" y="4876800"/>
+              <a:chExt cx="3651250" cy="1733550"/>
+            </a:xfrm>
+          </p:grpSpPr>
+          <p:pic>
+            <p:nvPicPr>
+              <p:cNvPr id="1027" name="Picture 3"/>
+              <p:cNvPicPr>
+                <a:picLocks noChangeAspect="1" noChangeArrowheads="1"/>
+              </p:cNvPicPr>
+              <p:nvPr/>
+            </p:nvPicPr>
+            <p:blipFill>
+              <a:blip r:embed="rId3" cstate="print">
+                <a:extLst>
+                  <a:ext uri="{28A0092B-C50C-407E-A947-70E740481C1C}">
+                    <a14:useLocalDpi xmlns:a14="http://schemas.microsoft.com/office/drawing/2010/main" val="0"/>
+                  </a:ext>
+                </a:extLst>
+              </a:blip>
+              <a:srcRect/>
+              <a:stretch>
+                <a:fillRect/>
+              </a:stretch>
+            </p:blipFill>
+            <p:spPr bwMode="auto">
+              <a:xfrm>
+                <a:off x="685800" y="4876800"/>
+                <a:ext cx="3651250" cy="1733550"/>
+              </a:xfrm>
+              <a:prstGeom prst="rect">
+                <a:avLst/>
+              </a:prstGeom>
+              <a:noFill/>
+              <a:ln>
+                <a:noFill/>
+              </a:ln>
+              <a:extLst>
+                <a:ext uri="{909E8E84-426E-40DD-AFC4-6F175D3DCCD1}">
+                  <a14:hiddenFill xmlns:a14="http://schemas.microsoft.com/office/drawing/2010/main">
+                    <a:solidFill>
+                      <a:schemeClr val="accent1"/>
+                    </a:solidFill>
+                  </a14:hiddenFill>
+                </a:ext>
+                <a:ext uri="{91240B29-F687-4F45-9708-019B960494DF}">
+                  <a14:hiddenLine xmlns:a14="http://schemas.microsoft.com/office/drawing/2010/main" w="9525">
+                    <a:solidFill>
+                      <a:schemeClr val="tx1"/>
+                    </a:solidFill>
+                    <a:miter lim="800000"/>
+                    <a:headEnd/>
+                    <a:tailEnd/>
+                  </a14:hiddenLine>
+                </a:ext>
+              </a:extLst>
+            </p:spPr>
+          </p:pic>
+          <p:pic>
+            <p:nvPicPr>
+              <p:cNvPr id="1031" name="Picture 7" descr="C:\Users\dell\Google Drive\datavis\studyvis\doc\poster_files\mousepointer.png"/>
+              <p:cNvPicPr>
+                <a:picLocks noChangeAspect="1" noChangeArrowheads="1"/>
+              </p:cNvPicPr>
+              <p:nvPr/>
+            </p:nvPicPr>
+            <p:blipFill>
+              <a:blip r:embed="rId4" cstate="print">
+                <a:extLst>
+                  <a:ext uri="{28A0092B-C50C-407E-A947-70E740481C1C}">
+                    <a14:useLocalDpi xmlns:a14="http://schemas.microsoft.com/office/drawing/2010/main" val="0"/>
+                  </a:ext>
+                </a:extLst>
+              </a:blip>
+              <a:srcRect/>
+              <a:stretch>
+                <a:fillRect/>
+              </a:stretch>
+            </p:blipFill>
+            <p:spPr bwMode="auto">
+              <a:xfrm>
+                <a:off x="1158721" y="5924552"/>
+                <a:ext cx="37152" cy="64800"/>
+              </a:xfrm>
+              <a:prstGeom prst="rect">
+                <a:avLst/>
+              </a:prstGeom>
+              <a:noFill/>
+              <a:extLst>
+                <a:ext uri="{909E8E84-426E-40DD-AFC4-6F175D3DCCD1}">
+                  <a14:hiddenFill xmlns:a14="http://schemas.microsoft.com/office/drawing/2010/main">
+                    <a:solidFill>
+                      <a:srgbClr val="FFFFFF"/>
+                    </a:solidFill>
+                  </a14:hiddenFill>
+                </a:ext>
+              </a:extLst>
+            </p:spPr>
+          </p:pic>
+        </p:grpSp>
+        <p:sp>
+          <p:nvSpPr>
+            <p:cNvPr id="18" name="Title 1"/>
+            <p:cNvSpPr txBox="1">
+              <a:spLocks/>
+            </p:cNvSpPr>
+            <p:nvPr/>
+          </p:nvSpPr>
+          <p:spPr>
+            <a:xfrm>
+              <a:off x="4910818" y="6067425"/>
+              <a:ext cx="2521857" cy="1066800"/>
+            </a:xfrm>
+            <a:prstGeom prst="rect">
+              <a:avLst/>
+            </a:prstGeom>
+            <a:noFill/>
+            <a:effectLst/>
+          </p:spPr>
+          <p:txBody>
+            <a:bodyPr vert="horz" lIns="128016" tIns="64008" rIns="128016" bIns="64008" rtlCol="0" anchor="ctr">
+              <a:normAutofit/>
+            </a:bodyPr>
+            <a:lstStyle>
+              <a:lvl1pPr algn="ctr" defTabSz="1280160" rtl="0" eaLnBrk="1" latinLnBrk="0" hangingPunct="1">
+                <a:spcBef>
+                  <a:spcPct val="0"/>
+                </a:spcBef>
+                <a:buNone/>
+                <a:defRPr sz="6200" b="0" i="0" kern="1200">
+                  <a:solidFill>
+                    <a:schemeClr val="tx1"/>
+                  </a:solidFill>
+                  <a:latin typeface="Open Sans" panose="020B0606030504020204" pitchFamily="34" charset="0"/>
+                  <a:ea typeface="Open Sans" panose="020B0606030504020204" pitchFamily="34" charset="0"/>
+                  <a:cs typeface="Open Sans" panose="020B0606030504020204" pitchFamily="34" charset="0"/>
+                </a:defRPr>
+              </a:lvl1pPr>
+            </a:lstStyle>
+            <a:p>
+              <a:pPr algn="l"/>
+              <a:r>
+                <a:rPr lang="et-EE" sz="4000" dirty="0" smtClean="0"/>
+                <a:t>bar chart</a:t>
+              </a:r>
+              <a:endParaRPr lang="et-EE" sz="4000" dirty="0"/>
+            </a:p>
+          </p:txBody>
+        </p:sp>
+      </p:grpSp>
+      <p:grpSp>
+        <p:nvGrpSpPr>
+          <p:cNvPr id="10" name="Group 9"/>
+          <p:cNvGrpSpPr/>
+          <p:nvPr/>
+        </p:nvGrpSpPr>
+        <p:grpSpPr>
+          <a:xfrm>
+            <a:off x="423409" y="5571631"/>
+            <a:ext cx="6663191" cy="1646237"/>
+            <a:chOff x="1791834" y="7696200"/>
+            <a:chExt cx="6663191" cy="1646237"/>
+          </a:xfrm>
+        </p:grpSpPr>
+        <p:grpSp>
+          <p:nvGrpSpPr>
+            <p:cNvPr id="8" name="Group 7"/>
+            <p:cNvGrpSpPr/>
+            <p:nvPr/>
+          </p:nvGrpSpPr>
+          <p:grpSpPr>
+            <a:xfrm>
+              <a:off x="5105400" y="7696200"/>
+              <a:ext cx="3349625" cy="1646237"/>
+              <a:chOff x="5105400" y="7620000"/>
+              <a:chExt cx="3349625" cy="1646237"/>
+            </a:xfrm>
+          </p:grpSpPr>
+          <p:pic>
+            <p:nvPicPr>
+              <p:cNvPr id="1028" name="Picture 4"/>
+              <p:cNvPicPr>
+                <a:picLocks noChangeAspect="1" noChangeArrowheads="1"/>
+              </p:cNvPicPr>
+              <p:nvPr/>
+            </p:nvPicPr>
+            <p:blipFill>
+              <a:blip r:embed="rId5" cstate="print">
+                <a:extLst>
+                  <a:ext uri="{28A0092B-C50C-407E-A947-70E740481C1C}">
+                    <a14:useLocalDpi xmlns:a14="http://schemas.microsoft.com/office/drawing/2010/main" val="0"/>
+                  </a:ext>
+                </a:extLst>
+              </a:blip>
+              <a:srcRect/>
+              <a:stretch>
+                <a:fillRect/>
+              </a:stretch>
+            </p:blipFill>
+            <p:spPr bwMode="auto">
+              <a:xfrm>
+                <a:off x="5105400" y="7620000"/>
+                <a:ext cx="3349625" cy="1646237"/>
+              </a:xfrm>
+              <a:prstGeom prst="rect">
+                <a:avLst/>
+              </a:prstGeom>
+              <a:noFill/>
+              <a:ln>
+                <a:noFill/>
+              </a:ln>
+              <a:extLst>
+                <a:ext uri="{909E8E84-426E-40DD-AFC4-6F175D3DCCD1}">
+                  <a14:hiddenFill xmlns:a14="http://schemas.microsoft.com/office/drawing/2010/main">
+                    <a:solidFill>
+                      <a:schemeClr val="accent1"/>
+                    </a:solidFill>
+                  </a14:hiddenFill>
+                </a:ext>
+                <a:ext uri="{91240B29-F687-4F45-9708-019B960494DF}">
+                  <a14:hiddenLine xmlns:a14="http://schemas.microsoft.com/office/drawing/2010/main" w="9525">
+                    <a:solidFill>
+                      <a:schemeClr val="tx1"/>
+                    </a:solidFill>
+                    <a:miter lim="800000"/>
+                    <a:headEnd/>
+                    <a:tailEnd/>
+                  </a14:hiddenLine>
+                </a:ext>
+              </a:extLst>
+            </p:spPr>
+          </p:pic>
+          <p:pic>
+            <p:nvPicPr>
+              <p:cNvPr id="12" name="Picture 7" descr="C:\Users\dell\Google Drive\datavis\studyvis\doc\poster_files\mousepointer.png"/>
+              <p:cNvPicPr>
+                <a:picLocks noChangeAspect="1" noChangeArrowheads="1"/>
+              </p:cNvPicPr>
+              <p:nvPr/>
+            </p:nvPicPr>
+            <p:blipFill>
+              <a:blip r:embed="rId4" cstate="print">
+                <a:extLst>
+                  <a:ext uri="{28A0092B-C50C-407E-A947-70E740481C1C}">
+                    <a14:useLocalDpi xmlns:a14="http://schemas.microsoft.com/office/drawing/2010/main" val="0"/>
+                  </a:ext>
+                </a:extLst>
+              </a:blip>
+              <a:srcRect/>
+              <a:stretch>
+                <a:fillRect/>
+              </a:stretch>
+            </p:blipFill>
+            <p:spPr bwMode="auto">
+              <a:xfrm>
+                <a:off x="6477000" y="8001000"/>
+                <a:ext cx="37152" cy="64800"/>
+              </a:xfrm>
+              <a:prstGeom prst="rect">
+                <a:avLst/>
+              </a:prstGeom>
+              <a:noFill/>
+              <a:extLst>
+                <a:ext uri="{909E8E84-426E-40DD-AFC4-6F175D3DCCD1}">
+                  <a14:hiddenFill xmlns:a14="http://schemas.microsoft.com/office/drawing/2010/main">
+                    <a:solidFill>
+                      <a:srgbClr val="FFFFFF"/>
+                    </a:solidFill>
+                  </a14:hiddenFill>
+                </a:ext>
+              </a:extLst>
+            </p:spPr>
+          </p:pic>
+        </p:grpSp>
+        <p:sp>
+          <p:nvSpPr>
+            <p:cNvPr id="19" name="Title 1"/>
+            <p:cNvSpPr txBox="1">
+              <a:spLocks/>
+            </p:cNvSpPr>
+            <p:nvPr/>
+          </p:nvSpPr>
+          <p:spPr>
+            <a:xfrm>
+              <a:off x="1791834" y="7985918"/>
+              <a:ext cx="2882900" cy="1066800"/>
+            </a:xfrm>
+            <a:prstGeom prst="rect">
+              <a:avLst/>
+            </a:prstGeom>
+            <a:noFill/>
+            <a:effectLst/>
+          </p:spPr>
+          <p:txBody>
+            <a:bodyPr vert="horz" lIns="128016" tIns="64008" rIns="128016" bIns="64008" rtlCol="0" anchor="ctr">
+              <a:normAutofit/>
+            </a:bodyPr>
+            <a:lstStyle>
+              <a:lvl1pPr algn="ctr" defTabSz="1280160" rtl="0" eaLnBrk="1" latinLnBrk="0" hangingPunct="1">
+                <a:spcBef>
+                  <a:spcPct val="0"/>
+                </a:spcBef>
+                <a:buNone/>
+                <a:defRPr sz="6200" b="0" i="0" kern="1200">
+                  <a:solidFill>
+                    <a:schemeClr val="tx1"/>
+                  </a:solidFill>
+                  <a:latin typeface="Open Sans" panose="020B0606030504020204" pitchFamily="34" charset="0"/>
+                  <a:ea typeface="Open Sans" panose="020B0606030504020204" pitchFamily="34" charset="0"/>
+                  <a:cs typeface="Open Sans" panose="020B0606030504020204" pitchFamily="34" charset="0"/>
+                </a:defRPr>
+              </a:lvl1pPr>
+            </a:lstStyle>
+            <a:p>
+              <a:pPr algn="r"/>
+              <a:r>
+                <a:rPr lang="et-EE" sz="4000" dirty="0" smtClean="0"/>
+                <a:t>pie chart</a:t>
+              </a:r>
+              <a:endParaRPr lang="et-EE" sz="4000" dirty="0"/>
+            </a:p>
+          </p:txBody>
+        </p:sp>
+      </p:grpSp>
+      <p:grpSp>
+        <p:nvGrpSpPr>
+          <p:cNvPr id="13" name="Group 12"/>
+          <p:cNvGrpSpPr/>
+          <p:nvPr/>
+        </p:nvGrpSpPr>
+        <p:grpSpPr>
+          <a:xfrm>
+            <a:off x="2057400" y="7598868"/>
+            <a:ext cx="6781800" cy="1371600"/>
+            <a:chOff x="685800" y="9753600"/>
+            <a:chExt cx="6781800" cy="1371600"/>
+          </a:xfrm>
+        </p:grpSpPr>
+        <p:grpSp>
+          <p:nvGrpSpPr>
+            <p:cNvPr id="7" name="Group 6"/>
+            <p:cNvGrpSpPr/>
+            <p:nvPr/>
+          </p:nvGrpSpPr>
+          <p:grpSpPr>
+            <a:xfrm>
+              <a:off x="685800" y="9753600"/>
+              <a:ext cx="3873500" cy="1371600"/>
+              <a:chOff x="927100" y="7132637"/>
+              <a:chExt cx="3873500" cy="1371600"/>
+            </a:xfrm>
+          </p:grpSpPr>
+          <p:pic>
+            <p:nvPicPr>
+              <p:cNvPr id="1029" name="Picture 5"/>
+              <p:cNvPicPr>
+                <a:picLocks noChangeAspect="1" noChangeArrowheads="1"/>
+              </p:cNvPicPr>
+              <p:nvPr/>
+            </p:nvPicPr>
+            <p:blipFill>
+              <a:blip r:embed="rId6" cstate="print">
+                <a:extLst>
+                  <a:ext uri="{28A0092B-C50C-407E-A947-70E740481C1C}">
+                    <a14:useLocalDpi xmlns:a14="http://schemas.microsoft.com/office/drawing/2010/main" val="0"/>
+                  </a:ext>
+                </a:extLst>
+              </a:blip>
+              <a:srcRect/>
+              <a:stretch>
+                <a:fillRect/>
+              </a:stretch>
+            </p:blipFill>
+            <p:spPr bwMode="auto">
+              <a:xfrm>
+                <a:off x="927100" y="7132637"/>
+                <a:ext cx="3873500" cy="1371600"/>
+              </a:xfrm>
+              <a:prstGeom prst="rect">
+                <a:avLst/>
+              </a:prstGeom>
+              <a:noFill/>
+              <a:ln>
+                <a:noFill/>
+              </a:ln>
+              <a:extLst>
+                <a:ext uri="{909E8E84-426E-40DD-AFC4-6F175D3DCCD1}">
+                  <a14:hiddenFill xmlns:a14="http://schemas.microsoft.com/office/drawing/2010/main">
+                    <a:solidFill>
+                      <a:schemeClr val="accent1"/>
+                    </a:solidFill>
+                  </a14:hiddenFill>
+                </a:ext>
+                <a:ext uri="{91240B29-F687-4F45-9708-019B960494DF}">
+                  <a14:hiddenLine xmlns:a14="http://schemas.microsoft.com/office/drawing/2010/main" w="9525">
+                    <a:solidFill>
+                      <a:schemeClr val="tx1"/>
+                    </a:solidFill>
+                    <a:miter lim="800000"/>
+                    <a:headEnd/>
+                    <a:tailEnd/>
+                  </a14:hiddenLine>
+                </a:ext>
+              </a:extLst>
+            </p:spPr>
+          </p:pic>
+          <p:pic>
+            <p:nvPicPr>
+              <p:cNvPr id="14" name="Picture 7" descr="C:\Users\dell\Google Drive\datavis\studyvis\doc\poster_files\mousepointer.png"/>
+              <p:cNvPicPr>
+                <a:picLocks noChangeAspect="1" noChangeArrowheads="1"/>
+              </p:cNvPicPr>
+              <p:nvPr/>
+            </p:nvPicPr>
+            <p:blipFill>
+              <a:blip r:embed="rId4" cstate="print">
+                <a:extLst>
+                  <a:ext uri="{28A0092B-C50C-407E-A947-70E740481C1C}">
+                    <a14:useLocalDpi xmlns:a14="http://schemas.microsoft.com/office/drawing/2010/main" val="0"/>
+                  </a:ext>
+                </a:extLst>
+              </a:blip>
+              <a:srcRect/>
+              <a:stretch>
+                <a:fillRect/>
+              </a:stretch>
+            </p:blipFill>
+            <p:spPr bwMode="auto">
+              <a:xfrm>
+                <a:off x="1238256" y="7300914"/>
+                <a:ext cx="37152" cy="64800"/>
+              </a:xfrm>
+              <a:prstGeom prst="rect">
+                <a:avLst/>
+              </a:prstGeom>
+              <a:noFill/>
+              <a:extLst>
+                <a:ext uri="{909E8E84-426E-40DD-AFC4-6F175D3DCCD1}">
+                  <a14:hiddenFill xmlns:a14="http://schemas.microsoft.com/office/drawing/2010/main">
+                    <a:solidFill>
+                      <a:srgbClr val="FFFFFF"/>
+                    </a:solidFill>
+                  </a14:hiddenFill>
+                </a:ext>
+              </a:extLst>
+            </p:spPr>
+          </p:pic>
+        </p:grpSp>
+        <p:sp>
+          <p:nvSpPr>
+            <p:cNvPr id="21" name="Title 1"/>
+            <p:cNvSpPr txBox="1">
+              <a:spLocks/>
+            </p:cNvSpPr>
+            <p:nvPr/>
+          </p:nvSpPr>
+          <p:spPr>
+            <a:xfrm>
+              <a:off x="4945743" y="9906000"/>
+              <a:ext cx="2521857" cy="1066800"/>
+            </a:xfrm>
+            <a:prstGeom prst="rect">
+              <a:avLst/>
+            </a:prstGeom>
+            <a:noFill/>
+            <a:effectLst/>
+          </p:spPr>
+          <p:txBody>
+            <a:bodyPr vert="horz" lIns="128016" tIns="64008" rIns="128016" bIns="64008" rtlCol="0" anchor="ctr">
+              <a:normAutofit/>
+            </a:bodyPr>
+            <a:lstStyle>
+              <a:lvl1pPr algn="ctr" defTabSz="1280160" rtl="0" eaLnBrk="1" latinLnBrk="0" hangingPunct="1">
+                <a:spcBef>
+                  <a:spcPct val="0"/>
+                </a:spcBef>
+                <a:buNone/>
+                <a:defRPr sz="6200" b="0" i="0" kern="1200">
+                  <a:solidFill>
+                    <a:schemeClr val="tx1"/>
+                  </a:solidFill>
+                  <a:latin typeface="Open Sans" panose="020B0606030504020204" pitchFamily="34" charset="0"/>
+                  <a:ea typeface="Open Sans" panose="020B0606030504020204" pitchFamily="34" charset="0"/>
+                  <a:cs typeface="Open Sans" panose="020B0606030504020204" pitchFamily="34" charset="0"/>
+                </a:defRPr>
+              </a:lvl1pPr>
+            </a:lstStyle>
+            <a:p>
+              <a:pPr algn="l"/>
+              <a:r>
+                <a:rPr lang="et-EE" sz="4000" dirty="0" smtClean="0"/>
+                <a:t>heatmap</a:t>
+              </a:r>
+              <a:endParaRPr lang="et-EE" sz="4000" dirty="0"/>
+            </a:p>
+          </p:txBody>
+        </p:sp>
+      </p:grpSp>
+      <p:sp>
+        <p:nvSpPr>
+          <p:cNvPr id="25" name="Content Placeholder 3"/>
+          <p:cNvSpPr txBox="1">
+            <a:spLocks/>
+          </p:cNvSpPr>
+          <p:nvPr/>
+        </p:nvSpPr>
+        <p:spPr>
+          <a:xfrm>
+            <a:off x="480060" y="9580068"/>
+            <a:ext cx="6188574" cy="914400"/>
+          </a:xfrm>
+          <a:prstGeom prst="rect">
+            <a:avLst/>
+          </a:prstGeom>
+        </p:spPr>
+        <p:txBody>
+          <a:bodyPr vert="horz" lIns="128016" tIns="64008" rIns="128016" bIns="64008" rtlCol="0">
+            <a:noAutofit/>
+          </a:bodyPr>
+          <a:lstStyle>
+            <a:lvl1pPr marL="480060" indent="-480060" algn="l" defTabSz="1280160" rtl="0" eaLnBrk="1" latinLnBrk="0" hangingPunct="1">
+              <a:spcBef>
+                <a:spcPct val="20000"/>
+              </a:spcBef>
+              <a:buFont typeface="Arial" pitchFamily="34" charset="0"/>
+              <a:buChar char="•"/>
+              <a:defRPr sz="4500" kern="1200">
+                <a:solidFill>
+                  <a:schemeClr val="tx1"/>
+                </a:solidFill>
+                <a:latin typeface="Open Sans" panose="020B0606030504020204" pitchFamily="34" charset="0"/>
+                <a:ea typeface="Open Sans" panose="020B0606030504020204" pitchFamily="34" charset="0"/>
+                <a:cs typeface="Open Sans" panose="020B0606030504020204" pitchFamily="34" charset="0"/>
+              </a:defRPr>
+            </a:lvl1pPr>
+            <a:lvl2pPr marL="1040130" indent="-400050" algn="l" defTabSz="1280160" rtl="0" eaLnBrk="1" latinLnBrk="0" hangingPunct="1">
+              <a:spcBef>
+                <a:spcPct val="20000"/>
+              </a:spcBef>
+              <a:buFont typeface="Arial" pitchFamily="34" charset="0"/>
+              <a:buChar char="–"/>
+              <a:defRPr sz="3900" kern="1200">
+                <a:solidFill>
+                  <a:schemeClr val="tx1"/>
+                </a:solidFill>
+                <a:latin typeface="Open Sans" panose="020B0606030504020204" pitchFamily="34" charset="0"/>
+                <a:ea typeface="Open Sans" panose="020B0606030504020204" pitchFamily="34" charset="0"/>
+                <a:cs typeface="Open Sans" panose="020B0606030504020204" pitchFamily="34" charset="0"/>
+              </a:defRPr>
+            </a:lvl2pPr>
+            <a:lvl3pPr marL="1600200" indent="-320040" algn="l" defTabSz="1280160" rtl="0" eaLnBrk="1" latinLnBrk="0" hangingPunct="1">
+              <a:spcBef>
+                <a:spcPct val="20000"/>
+              </a:spcBef>
+              <a:buFont typeface="Arial" pitchFamily="34" charset="0"/>
+              <a:buChar char="•"/>
+              <a:defRPr sz="3400" kern="1200">
+                <a:solidFill>
+                  <a:schemeClr val="tx1"/>
+                </a:solidFill>
+                <a:latin typeface="Open Sans" panose="020B0606030504020204" pitchFamily="34" charset="0"/>
+                <a:ea typeface="Open Sans" panose="020B0606030504020204" pitchFamily="34" charset="0"/>
+                <a:cs typeface="Open Sans" panose="020B0606030504020204" pitchFamily="34" charset="0"/>
+              </a:defRPr>
+            </a:lvl3pPr>
+            <a:lvl4pPr marL="2240280" indent="-320040" algn="l" defTabSz="1280160" rtl="0" eaLnBrk="1" latinLnBrk="0" hangingPunct="1">
+              <a:spcBef>
+                <a:spcPct val="20000"/>
+              </a:spcBef>
+              <a:buFont typeface="Arial" pitchFamily="34" charset="0"/>
+              <a:buChar char="–"/>
+              <a:defRPr sz="2800" kern="1200">
+                <a:solidFill>
+                  <a:schemeClr val="tx1"/>
+                </a:solidFill>
+                <a:latin typeface="Open Sans" panose="020B0606030504020204" pitchFamily="34" charset="0"/>
+                <a:ea typeface="Open Sans" panose="020B0606030504020204" pitchFamily="34" charset="0"/>
+                <a:cs typeface="Open Sans" panose="020B0606030504020204" pitchFamily="34" charset="0"/>
+              </a:defRPr>
+            </a:lvl4pPr>
+            <a:lvl5pPr marL="2880360" indent="-320040" algn="l" defTabSz="1280160" rtl="0" eaLnBrk="1" latinLnBrk="0" hangingPunct="1">
+              <a:spcBef>
+                <a:spcPct val="20000"/>
+              </a:spcBef>
+              <a:buFont typeface="Arial" pitchFamily="34" charset="0"/>
+              <a:buChar char="»"/>
+              <a:defRPr sz="2800" kern="1200">
+                <a:solidFill>
+                  <a:schemeClr val="tx1"/>
+                </a:solidFill>
+                <a:latin typeface="Open Sans" panose="020B0606030504020204" pitchFamily="34" charset="0"/>
+                <a:ea typeface="Open Sans" panose="020B0606030504020204" pitchFamily="34" charset="0"/>
+                <a:cs typeface="Open Sans" panose="020B0606030504020204" pitchFamily="34" charset="0"/>
+              </a:defRPr>
+            </a:lvl5pPr>
+            <a:lvl6pPr marL="3520440" indent="-320040" algn="l" defTabSz="1280160" rtl="0" eaLnBrk="1" latinLnBrk="0" hangingPunct="1">
+              <a:spcBef>
+                <a:spcPct val="20000"/>
+              </a:spcBef>
+              <a:buFont typeface="Arial" pitchFamily="34" charset="0"/>
+              <a:buChar char="•"/>
+              <a:defRPr sz="2800" kern="1200">
+                <a:solidFill>
+                  <a:schemeClr val="tx1"/>
+                </a:solidFill>
+                <a:latin typeface="+mn-lt"/>
+                <a:ea typeface="+mn-ea"/>
+                <a:cs typeface="+mn-cs"/>
+              </a:defRPr>
+            </a:lvl6pPr>
+            <a:lvl7pPr marL="4160520" indent="-320040" algn="l" defTabSz="1280160" rtl="0" eaLnBrk="1" latinLnBrk="0" hangingPunct="1">
+              <a:spcBef>
+                <a:spcPct val="20000"/>
+              </a:spcBef>
+              <a:buFont typeface="Arial" pitchFamily="34" charset="0"/>
+              <a:buChar char="•"/>
+              <a:defRPr sz="2800" kern="1200">
+                <a:solidFill>
+                  <a:schemeClr val="tx1"/>
+                </a:solidFill>
+                <a:latin typeface="+mn-lt"/>
+                <a:ea typeface="+mn-ea"/>
+                <a:cs typeface="+mn-cs"/>
+              </a:defRPr>
+            </a:lvl7pPr>
+            <a:lvl8pPr marL="4800600" indent="-320040" algn="l" defTabSz="1280160" rtl="0" eaLnBrk="1" latinLnBrk="0" hangingPunct="1">
+              <a:spcBef>
+                <a:spcPct val="20000"/>
+              </a:spcBef>
+              <a:buFont typeface="Arial" pitchFamily="34" charset="0"/>
+              <a:buChar char="•"/>
+              <a:defRPr sz="2800" kern="1200">
+                <a:solidFill>
+                  <a:schemeClr val="tx1"/>
+                </a:solidFill>
+                <a:latin typeface="+mn-lt"/>
+                <a:ea typeface="+mn-ea"/>
+                <a:cs typeface="+mn-cs"/>
+              </a:defRPr>
+            </a:lvl8pPr>
+            <a:lvl9pPr marL="5440680" indent="-320040" algn="l" defTabSz="1280160" rtl="0" eaLnBrk="1" latinLnBrk="0" hangingPunct="1">
+              <a:spcBef>
+                <a:spcPct val="20000"/>
+              </a:spcBef>
+              <a:buFont typeface="Arial" pitchFamily="34" charset="0"/>
+              <a:buChar char="•"/>
+              <a:defRPr sz="2800" kern="1200">
+                <a:solidFill>
+                  <a:schemeClr val="tx1"/>
+                </a:solidFill>
+                <a:latin typeface="+mn-lt"/>
+                <a:ea typeface="+mn-ea"/>
+                <a:cs typeface="+mn-cs"/>
+              </a:defRPr>
+            </a:lvl9pPr>
+          </a:lstStyle>
+          <a:p>
+            <a:pPr marL="0" indent="0" algn="just">
+              <a:buNone/>
+            </a:pPr>
+            <a:r>
+              <a:rPr lang="et-EE" sz="2400" dirty="0" smtClean="0"/>
+              <a:t>The interactive graphs were created using Javascript and D3.js.</a:t>
+            </a:r>
+          </a:p>
+        </p:txBody>
+      </p:sp>
+      <p:sp>
+        <p:nvSpPr>
+          <p:cNvPr id="27" name="Content Placeholder 3"/>
+          <p:cNvSpPr txBox="1">
+            <a:spLocks/>
+          </p:cNvSpPr>
+          <p:nvPr/>
+        </p:nvSpPr>
+        <p:spPr>
+          <a:xfrm>
+            <a:off x="480059" y="10515600"/>
+            <a:ext cx="6824575" cy="914400"/>
+          </a:xfrm>
+          <a:prstGeom prst="rect">
+            <a:avLst/>
+          </a:prstGeom>
+        </p:spPr>
+        <p:txBody>
+          <a:bodyPr vert="horz" lIns="128016" tIns="64008" rIns="128016" bIns="64008" rtlCol="0">
+            <a:noAutofit/>
+          </a:bodyPr>
+          <a:lstStyle>
+            <a:lvl1pPr marL="480060" indent="-480060" algn="l" defTabSz="1280160" rtl="0" eaLnBrk="1" latinLnBrk="0" hangingPunct="1">
+              <a:spcBef>
+                <a:spcPct val="20000"/>
+              </a:spcBef>
+              <a:buFont typeface="Arial" pitchFamily="34" charset="0"/>
+              <a:buChar char="•"/>
+              <a:defRPr sz="4500" kern="1200">
+                <a:solidFill>
+                  <a:schemeClr val="tx1"/>
+                </a:solidFill>
+                <a:latin typeface="Open Sans" panose="020B0606030504020204" pitchFamily="34" charset="0"/>
+                <a:ea typeface="Open Sans" panose="020B0606030504020204" pitchFamily="34" charset="0"/>
+                <a:cs typeface="Open Sans" panose="020B0606030504020204" pitchFamily="34" charset="0"/>
+              </a:defRPr>
+            </a:lvl1pPr>
+            <a:lvl2pPr marL="1040130" indent="-400050" algn="l" defTabSz="1280160" rtl="0" eaLnBrk="1" latinLnBrk="0" hangingPunct="1">
+              <a:spcBef>
+                <a:spcPct val="20000"/>
+              </a:spcBef>
+              <a:buFont typeface="Arial" pitchFamily="34" charset="0"/>
+              <a:buChar char="–"/>
+              <a:defRPr sz="3900" kern="1200">
+                <a:solidFill>
+                  <a:schemeClr val="tx1"/>
+                </a:solidFill>
+                <a:latin typeface="Open Sans" panose="020B0606030504020204" pitchFamily="34" charset="0"/>
+                <a:ea typeface="Open Sans" panose="020B0606030504020204" pitchFamily="34" charset="0"/>
+                <a:cs typeface="Open Sans" panose="020B0606030504020204" pitchFamily="34" charset="0"/>
+              </a:defRPr>
+            </a:lvl2pPr>
+            <a:lvl3pPr marL="1600200" indent="-320040" algn="l" defTabSz="1280160" rtl="0" eaLnBrk="1" latinLnBrk="0" hangingPunct="1">
+              <a:spcBef>
+                <a:spcPct val="20000"/>
+              </a:spcBef>
+              <a:buFont typeface="Arial" pitchFamily="34" charset="0"/>
+              <a:buChar char="•"/>
+              <a:defRPr sz="3400" kern="1200">
+                <a:solidFill>
+                  <a:schemeClr val="tx1"/>
+                </a:solidFill>
+                <a:latin typeface="Open Sans" panose="020B0606030504020204" pitchFamily="34" charset="0"/>
+                <a:ea typeface="Open Sans" panose="020B0606030504020204" pitchFamily="34" charset="0"/>
+                <a:cs typeface="Open Sans" panose="020B0606030504020204" pitchFamily="34" charset="0"/>
+              </a:defRPr>
+            </a:lvl3pPr>
+            <a:lvl4pPr marL="2240280" indent="-320040" algn="l" defTabSz="1280160" rtl="0" eaLnBrk="1" latinLnBrk="0" hangingPunct="1">
+              <a:spcBef>
+                <a:spcPct val="20000"/>
+              </a:spcBef>
+              <a:buFont typeface="Arial" pitchFamily="34" charset="0"/>
+              <a:buChar char="–"/>
+              <a:defRPr sz="2800" kern="1200">
+                <a:solidFill>
+                  <a:schemeClr val="tx1"/>
+                </a:solidFill>
+                <a:latin typeface="Open Sans" panose="020B0606030504020204" pitchFamily="34" charset="0"/>
+                <a:ea typeface="Open Sans" panose="020B0606030504020204" pitchFamily="34" charset="0"/>
+                <a:cs typeface="Open Sans" panose="020B0606030504020204" pitchFamily="34" charset="0"/>
+              </a:defRPr>
+            </a:lvl4pPr>
+            <a:lvl5pPr marL="2880360" indent="-320040" algn="l" defTabSz="1280160" rtl="0" eaLnBrk="1" latinLnBrk="0" hangingPunct="1">
+              <a:spcBef>
+                <a:spcPct val="20000"/>
+              </a:spcBef>
+              <a:buFont typeface="Arial" pitchFamily="34" charset="0"/>
+              <a:buChar char="»"/>
+              <a:defRPr sz="2800" kern="1200">
+                <a:solidFill>
+                  <a:schemeClr val="tx1"/>
+                </a:solidFill>
+                <a:latin typeface="Open Sans" panose="020B0606030504020204" pitchFamily="34" charset="0"/>
+                <a:ea typeface="Open Sans" panose="020B0606030504020204" pitchFamily="34" charset="0"/>
+                <a:cs typeface="Open Sans" panose="020B0606030504020204" pitchFamily="34" charset="0"/>
+              </a:defRPr>
+            </a:lvl5pPr>
+            <a:lvl6pPr marL="3520440" indent="-320040" algn="l" defTabSz="1280160" rtl="0" eaLnBrk="1" latinLnBrk="0" hangingPunct="1">
+              <a:spcBef>
+                <a:spcPct val="20000"/>
+              </a:spcBef>
+              <a:buFont typeface="Arial" pitchFamily="34" charset="0"/>
+              <a:buChar char="•"/>
+              <a:defRPr sz="2800" kern="1200">
+                <a:solidFill>
+                  <a:schemeClr val="tx1"/>
+                </a:solidFill>
+                <a:latin typeface="+mn-lt"/>
+                <a:ea typeface="+mn-ea"/>
+                <a:cs typeface="+mn-cs"/>
+              </a:defRPr>
+            </a:lvl6pPr>
+            <a:lvl7pPr marL="4160520" indent="-320040" algn="l" defTabSz="1280160" rtl="0" eaLnBrk="1" latinLnBrk="0" hangingPunct="1">
+              <a:spcBef>
+                <a:spcPct val="20000"/>
+              </a:spcBef>
+              <a:buFont typeface="Arial" pitchFamily="34" charset="0"/>
+              <a:buChar char="•"/>
+              <a:defRPr sz="2800" kern="1200">
+                <a:solidFill>
+                  <a:schemeClr val="tx1"/>
+                </a:solidFill>
+                <a:latin typeface="+mn-lt"/>
+                <a:ea typeface="+mn-ea"/>
+                <a:cs typeface="+mn-cs"/>
+              </a:defRPr>
+            </a:lvl7pPr>
+            <a:lvl8pPr marL="4800600" indent="-320040" algn="l" defTabSz="1280160" rtl="0" eaLnBrk="1" latinLnBrk="0" hangingPunct="1">
+              <a:spcBef>
+                <a:spcPct val="20000"/>
+              </a:spcBef>
+              <a:buFont typeface="Arial" pitchFamily="34" charset="0"/>
+              <a:buChar char="•"/>
+              <a:defRPr sz="2800" kern="1200">
+                <a:solidFill>
+                  <a:schemeClr val="tx1"/>
+                </a:solidFill>
+                <a:latin typeface="+mn-lt"/>
+                <a:ea typeface="+mn-ea"/>
+                <a:cs typeface="+mn-cs"/>
+              </a:defRPr>
+            </a:lvl8pPr>
+            <a:lvl9pPr marL="5440680" indent="-320040" algn="l" defTabSz="1280160" rtl="0" eaLnBrk="1" latinLnBrk="0" hangingPunct="1">
+              <a:spcBef>
+                <a:spcPct val="20000"/>
+              </a:spcBef>
+              <a:buFont typeface="Arial" pitchFamily="34" charset="0"/>
+              <a:buChar char="•"/>
+              <a:defRPr sz="2800" kern="1200">
+                <a:solidFill>
+                  <a:schemeClr val="tx1"/>
+                </a:solidFill>
+                <a:latin typeface="+mn-lt"/>
+                <a:ea typeface="+mn-ea"/>
+                <a:cs typeface="+mn-cs"/>
+              </a:defRPr>
+            </a:lvl9pPr>
+          </a:lstStyle>
+          <a:p>
+            <a:pPr marL="0" indent="0" algn="just">
+              <a:buNone/>
+            </a:pPr>
+            <a:r>
+              <a:rPr lang="et-EE" sz="2400" dirty="0" smtClean="0">
+                <a:latin typeface="Open Sans Semibold" panose="020B0706030804020204" pitchFamily="34" charset="0"/>
+                <a:ea typeface="Open Sans Semibold" panose="020B0706030804020204" pitchFamily="34" charset="0"/>
+                <a:cs typeface="Open Sans Semibold" panose="020B0706030804020204" pitchFamily="34" charset="0"/>
+              </a:rPr>
+              <a:t>Live demo: </a:t>
+            </a:r>
+            <a:r>
+              <a:rPr lang="et-EE" sz="2400" dirty="0" smtClean="0"/>
+              <a:t>	ut.ee/~tpungas/studyvis</a:t>
+            </a:r>
+          </a:p>
+          <a:p>
+            <a:pPr marL="0" indent="0" algn="just">
+              <a:buNone/>
+            </a:pPr>
+            <a:r>
+              <a:rPr lang="et-EE" sz="2400" dirty="0" smtClean="0">
+                <a:latin typeface="Open Sans Semibold" panose="020B0706030804020204" pitchFamily="34" charset="0"/>
+                <a:ea typeface="Open Sans Semibold" panose="020B0706030804020204" pitchFamily="34" charset="0"/>
+                <a:cs typeface="Open Sans Semibold" panose="020B0706030804020204" pitchFamily="34" charset="0"/>
+              </a:rPr>
+              <a:t>Source:	</a:t>
+            </a:r>
+            <a:r>
+              <a:rPr lang="et-EE" sz="2400" dirty="0" smtClean="0"/>
+              <a:t>	github.com/taivop/studyvis</a:t>
+            </a:r>
+          </a:p>
+        </p:txBody>
+      </p:sp>
+      <p:sp>
+        <p:nvSpPr>
+          <p:cNvPr id="29" name="Content Placeholder 3"/>
+          <p:cNvSpPr txBox="1">
+            <a:spLocks/>
+          </p:cNvSpPr>
+          <p:nvPr/>
+        </p:nvSpPr>
+        <p:spPr>
+          <a:xfrm>
+            <a:off x="423409" y="12190425"/>
+            <a:ext cx="8796791" cy="381000"/>
+          </a:xfrm>
+          <a:prstGeom prst="rect">
+            <a:avLst/>
+          </a:prstGeom>
+          <a:noFill/>
+        </p:spPr>
+        <p:txBody>
+          <a:bodyPr vert="horz" lIns="128016" tIns="64008" rIns="128016" bIns="64008" rtlCol="0">
+            <a:noAutofit/>
+          </a:bodyPr>
+          <a:lstStyle>
+            <a:lvl1pPr marL="480060" indent="-480060" algn="l" defTabSz="1280160" rtl="0" eaLnBrk="1" latinLnBrk="0" hangingPunct="1">
+              <a:spcBef>
+                <a:spcPct val="20000"/>
+              </a:spcBef>
+              <a:buFont typeface="Arial" pitchFamily="34" charset="0"/>
+              <a:buChar char="•"/>
+              <a:defRPr sz="4500" kern="1200">
+                <a:solidFill>
+                  <a:schemeClr val="tx1"/>
+                </a:solidFill>
+                <a:latin typeface="Open Sans" panose="020B0606030504020204" pitchFamily="34" charset="0"/>
+                <a:ea typeface="Open Sans" panose="020B0606030504020204" pitchFamily="34" charset="0"/>
+                <a:cs typeface="Open Sans" panose="020B0606030504020204" pitchFamily="34" charset="0"/>
+              </a:defRPr>
+            </a:lvl1pPr>
+            <a:lvl2pPr marL="1040130" indent="-400050" algn="l" defTabSz="1280160" rtl="0" eaLnBrk="1" latinLnBrk="0" hangingPunct="1">
+              <a:spcBef>
+                <a:spcPct val="20000"/>
+              </a:spcBef>
+              <a:buFont typeface="Arial" pitchFamily="34" charset="0"/>
+              <a:buChar char="–"/>
+              <a:defRPr sz="3900" kern="1200">
+                <a:solidFill>
+                  <a:schemeClr val="tx1"/>
+                </a:solidFill>
+                <a:latin typeface="Open Sans" panose="020B0606030504020204" pitchFamily="34" charset="0"/>
+                <a:ea typeface="Open Sans" panose="020B0606030504020204" pitchFamily="34" charset="0"/>
+                <a:cs typeface="Open Sans" panose="020B0606030504020204" pitchFamily="34" charset="0"/>
+              </a:defRPr>
+            </a:lvl2pPr>
+            <a:lvl3pPr marL="1600200" indent="-320040" algn="l" defTabSz="1280160" rtl="0" eaLnBrk="1" latinLnBrk="0" hangingPunct="1">
+              <a:spcBef>
+                <a:spcPct val="20000"/>
+              </a:spcBef>
+              <a:buFont typeface="Arial" pitchFamily="34" charset="0"/>
+              <a:buChar char="•"/>
+              <a:defRPr sz="3400" kern="1200">
+                <a:solidFill>
+                  <a:schemeClr val="tx1"/>
+                </a:solidFill>
+                <a:latin typeface="Open Sans" panose="020B0606030504020204" pitchFamily="34" charset="0"/>
+                <a:ea typeface="Open Sans" panose="020B0606030504020204" pitchFamily="34" charset="0"/>
+                <a:cs typeface="Open Sans" panose="020B0606030504020204" pitchFamily="34" charset="0"/>
+              </a:defRPr>
+            </a:lvl3pPr>
+            <a:lvl4pPr marL="2240280" indent="-320040" algn="l" defTabSz="1280160" rtl="0" eaLnBrk="1" latinLnBrk="0" hangingPunct="1">
+              <a:spcBef>
+                <a:spcPct val="20000"/>
+              </a:spcBef>
+              <a:buFont typeface="Arial" pitchFamily="34" charset="0"/>
+              <a:buChar char="–"/>
+              <a:defRPr sz="2800" kern="1200">
+                <a:solidFill>
+                  <a:schemeClr val="tx1"/>
+                </a:solidFill>
+                <a:latin typeface="Open Sans" panose="020B0606030504020204" pitchFamily="34" charset="0"/>
+                <a:ea typeface="Open Sans" panose="020B0606030504020204" pitchFamily="34" charset="0"/>
+                <a:cs typeface="Open Sans" panose="020B0606030504020204" pitchFamily="34" charset="0"/>
+              </a:defRPr>
+            </a:lvl4pPr>
+            <a:lvl5pPr marL="2880360" indent="-320040" algn="l" defTabSz="1280160" rtl="0" eaLnBrk="1" latinLnBrk="0" hangingPunct="1">
+              <a:spcBef>
+                <a:spcPct val="20000"/>
+              </a:spcBef>
+              <a:buFont typeface="Arial" pitchFamily="34" charset="0"/>
+              <a:buChar char="»"/>
+              <a:defRPr sz="2800" kern="1200">
+                <a:solidFill>
+                  <a:schemeClr val="tx1"/>
+                </a:solidFill>
+                <a:latin typeface="Open Sans" panose="020B0606030504020204" pitchFamily="34" charset="0"/>
+                <a:ea typeface="Open Sans" panose="020B0606030504020204" pitchFamily="34" charset="0"/>
+                <a:cs typeface="Open Sans" panose="020B0606030504020204" pitchFamily="34" charset="0"/>
+              </a:defRPr>
+            </a:lvl5pPr>
+            <a:lvl6pPr marL="3520440" indent="-320040" algn="l" defTabSz="1280160" rtl="0" eaLnBrk="1" latinLnBrk="0" hangingPunct="1">
+              <a:spcBef>
+                <a:spcPct val="20000"/>
+              </a:spcBef>
+              <a:buFont typeface="Arial" pitchFamily="34" charset="0"/>
+              <a:buChar char="•"/>
+              <a:defRPr sz="2800" kern="1200">
+                <a:solidFill>
+                  <a:schemeClr val="tx1"/>
+                </a:solidFill>
+                <a:latin typeface="+mn-lt"/>
+                <a:ea typeface="+mn-ea"/>
+                <a:cs typeface="+mn-cs"/>
+              </a:defRPr>
+            </a:lvl6pPr>
+            <a:lvl7pPr marL="4160520" indent="-320040" algn="l" defTabSz="1280160" rtl="0" eaLnBrk="1" latinLnBrk="0" hangingPunct="1">
+              <a:spcBef>
+                <a:spcPct val="20000"/>
+              </a:spcBef>
+              <a:buFont typeface="Arial" pitchFamily="34" charset="0"/>
+              <a:buChar char="•"/>
+              <a:defRPr sz="2800" kern="1200">
+                <a:solidFill>
+                  <a:schemeClr val="tx1"/>
+                </a:solidFill>
+                <a:latin typeface="+mn-lt"/>
+                <a:ea typeface="+mn-ea"/>
+                <a:cs typeface="+mn-cs"/>
+              </a:defRPr>
+            </a:lvl7pPr>
+            <a:lvl8pPr marL="4800600" indent="-320040" algn="l" defTabSz="1280160" rtl="0" eaLnBrk="1" latinLnBrk="0" hangingPunct="1">
+              <a:spcBef>
+                <a:spcPct val="20000"/>
+              </a:spcBef>
+              <a:buFont typeface="Arial" pitchFamily="34" charset="0"/>
+              <a:buChar char="•"/>
+              <a:defRPr sz="2800" kern="1200">
+                <a:solidFill>
+                  <a:schemeClr val="tx1"/>
+                </a:solidFill>
+                <a:latin typeface="+mn-lt"/>
+                <a:ea typeface="+mn-ea"/>
+                <a:cs typeface="+mn-cs"/>
+              </a:defRPr>
+            </a:lvl8pPr>
+            <a:lvl9pPr marL="5440680" indent="-320040" algn="l" defTabSz="1280160" rtl="0" eaLnBrk="1" latinLnBrk="0" hangingPunct="1">
+              <a:spcBef>
+                <a:spcPct val="20000"/>
+              </a:spcBef>
+              <a:buFont typeface="Arial" pitchFamily="34" charset="0"/>
+              <a:buChar char="•"/>
+              <a:defRPr sz="2800" kern="1200">
+                <a:solidFill>
+                  <a:schemeClr val="tx1"/>
+                </a:solidFill>
+                <a:latin typeface="+mn-lt"/>
+                <a:ea typeface="+mn-ea"/>
+                <a:cs typeface="+mn-cs"/>
+              </a:defRPr>
+            </a:lvl9pPr>
+          </a:lstStyle>
+          <a:p>
+            <a:pPr marL="0" indent="0" algn="ctr">
+              <a:buNone/>
+            </a:pPr>
+            <a:r>
+              <a:rPr lang="et-EE" sz="1800" dirty="0" smtClean="0"/>
+              <a:t>Uni. Tartu | Institute of Computer Science| Computer Science BSc curriculum</a:t>
+            </a:r>
+          </a:p>
+        </p:txBody>
+      </p:sp>
+      <p:sp>
+        <p:nvSpPr>
+          <p:cNvPr id="31" name="Content Placeholder 3"/>
+          <p:cNvSpPr txBox="1">
+            <a:spLocks/>
+          </p:cNvSpPr>
+          <p:nvPr/>
+        </p:nvSpPr>
+        <p:spPr>
+          <a:xfrm>
+            <a:off x="3935518" y="11887200"/>
+            <a:ext cx="1911774" cy="377851"/>
+          </a:xfrm>
+          <a:prstGeom prst="rect">
+            <a:avLst/>
+          </a:prstGeom>
+        </p:spPr>
+        <p:txBody>
+          <a:bodyPr vert="horz" lIns="128016" tIns="64008" rIns="128016" bIns="64008" rtlCol="0">
+            <a:noAutofit/>
+          </a:bodyPr>
+          <a:lstStyle>
+            <a:lvl1pPr marL="480060" indent="-480060" algn="l" defTabSz="1280160" rtl="0" eaLnBrk="1" latinLnBrk="0" hangingPunct="1">
+              <a:spcBef>
+                <a:spcPct val="20000"/>
+              </a:spcBef>
+              <a:buFont typeface="Arial" pitchFamily="34" charset="0"/>
+              <a:buChar char="•"/>
+              <a:defRPr sz="4500" kern="1200">
+                <a:solidFill>
+                  <a:schemeClr val="tx1"/>
+                </a:solidFill>
+                <a:latin typeface="Open Sans" panose="020B0606030504020204" pitchFamily="34" charset="0"/>
+                <a:ea typeface="Open Sans" panose="020B0606030504020204" pitchFamily="34" charset="0"/>
+                <a:cs typeface="Open Sans" panose="020B0606030504020204" pitchFamily="34" charset="0"/>
+              </a:defRPr>
+            </a:lvl1pPr>
+            <a:lvl2pPr marL="1040130" indent="-400050" algn="l" defTabSz="1280160" rtl="0" eaLnBrk="1" latinLnBrk="0" hangingPunct="1">
+              <a:spcBef>
+                <a:spcPct val="20000"/>
+              </a:spcBef>
+              <a:buFont typeface="Arial" pitchFamily="34" charset="0"/>
+              <a:buChar char="–"/>
+              <a:defRPr sz="3900" kern="1200">
+                <a:solidFill>
+                  <a:schemeClr val="tx1"/>
+                </a:solidFill>
+                <a:latin typeface="Open Sans" panose="020B0606030504020204" pitchFamily="34" charset="0"/>
+                <a:ea typeface="Open Sans" panose="020B0606030504020204" pitchFamily="34" charset="0"/>
+                <a:cs typeface="Open Sans" panose="020B0606030504020204" pitchFamily="34" charset="0"/>
+              </a:defRPr>
+            </a:lvl2pPr>
+            <a:lvl3pPr marL="1600200" indent="-320040" algn="l" defTabSz="1280160" rtl="0" eaLnBrk="1" latinLnBrk="0" hangingPunct="1">
+              <a:spcBef>
+                <a:spcPct val="20000"/>
+              </a:spcBef>
+              <a:buFont typeface="Arial" pitchFamily="34" charset="0"/>
+              <a:buChar char="•"/>
+              <a:defRPr sz="3400" kern="1200">
+                <a:solidFill>
+                  <a:schemeClr val="tx1"/>
+                </a:solidFill>
+                <a:latin typeface="Open Sans" panose="020B0606030504020204" pitchFamily="34" charset="0"/>
+                <a:ea typeface="Open Sans" panose="020B0606030504020204" pitchFamily="34" charset="0"/>
+                <a:cs typeface="Open Sans" panose="020B0606030504020204" pitchFamily="34" charset="0"/>
+              </a:defRPr>
+            </a:lvl3pPr>
+            <a:lvl4pPr marL="2240280" indent="-320040" algn="l" defTabSz="1280160" rtl="0" eaLnBrk="1" latinLnBrk="0" hangingPunct="1">
+              <a:spcBef>
+                <a:spcPct val="20000"/>
+              </a:spcBef>
+              <a:buFont typeface="Arial" pitchFamily="34" charset="0"/>
+              <a:buChar char="–"/>
+              <a:defRPr sz="2800" kern="1200">
+                <a:solidFill>
+                  <a:schemeClr val="tx1"/>
+                </a:solidFill>
+                <a:latin typeface="Open Sans" panose="020B0606030504020204" pitchFamily="34" charset="0"/>
+                <a:ea typeface="Open Sans" panose="020B0606030504020204" pitchFamily="34" charset="0"/>
+                <a:cs typeface="Open Sans" panose="020B0606030504020204" pitchFamily="34" charset="0"/>
+              </a:defRPr>
+            </a:lvl4pPr>
+            <a:lvl5pPr marL="2880360" indent="-320040" algn="l" defTabSz="1280160" rtl="0" eaLnBrk="1" latinLnBrk="0" hangingPunct="1">
+              <a:spcBef>
+                <a:spcPct val="20000"/>
+              </a:spcBef>
+              <a:buFont typeface="Arial" pitchFamily="34" charset="0"/>
+              <a:buChar char="»"/>
+              <a:defRPr sz="2800" kern="1200">
+                <a:solidFill>
+                  <a:schemeClr val="tx1"/>
+                </a:solidFill>
+                <a:latin typeface="Open Sans" panose="020B0606030504020204" pitchFamily="34" charset="0"/>
+                <a:ea typeface="Open Sans" panose="020B0606030504020204" pitchFamily="34" charset="0"/>
+                <a:cs typeface="Open Sans" panose="020B0606030504020204" pitchFamily="34" charset="0"/>
+              </a:defRPr>
+            </a:lvl5pPr>
+            <a:lvl6pPr marL="3520440" indent="-320040" algn="l" defTabSz="1280160" rtl="0" eaLnBrk="1" latinLnBrk="0" hangingPunct="1">
+              <a:spcBef>
+                <a:spcPct val="20000"/>
+              </a:spcBef>
+              <a:buFont typeface="Arial" pitchFamily="34" charset="0"/>
+              <a:buChar char="•"/>
+              <a:defRPr sz="2800" kern="1200">
+                <a:solidFill>
+                  <a:schemeClr val="tx1"/>
+                </a:solidFill>
+                <a:latin typeface="+mn-lt"/>
+                <a:ea typeface="+mn-ea"/>
+                <a:cs typeface="+mn-cs"/>
+              </a:defRPr>
+            </a:lvl6pPr>
+            <a:lvl7pPr marL="4160520" indent="-320040" algn="l" defTabSz="1280160" rtl="0" eaLnBrk="1" latinLnBrk="0" hangingPunct="1">
+              <a:spcBef>
+                <a:spcPct val="20000"/>
+              </a:spcBef>
+              <a:buFont typeface="Arial" pitchFamily="34" charset="0"/>
+              <a:buChar char="•"/>
+              <a:defRPr sz="2800" kern="1200">
+                <a:solidFill>
+                  <a:schemeClr val="tx1"/>
+                </a:solidFill>
+                <a:latin typeface="+mn-lt"/>
+                <a:ea typeface="+mn-ea"/>
+                <a:cs typeface="+mn-cs"/>
+              </a:defRPr>
+            </a:lvl7pPr>
+            <a:lvl8pPr marL="4800600" indent="-320040" algn="l" defTabSz="1280160" rtl="0" eaLnBrk="1" latinLnBrk="0" hangingPunct="1">
+              <a:spcBef>
+                <a:spcPct val="20000"/>
+              </a:spcBef>
+              <a:buFont typeface="Arial" pitchFamily="34" charset="0"/>
+              <a:buChar char="•"/>
+              <a:defRPr sz="2800" kern="1200">
+                <a:solidFill>
+                  <a:schemeClr val="tx1"/>
+                </a:solidFill>
+                <a:latin typeface="+mn-lt"/>
+                <a:ea typeface="+mn-ea"/>
+                <a:cs typeface="+mn-cs"/>
+              </a:defRPr>
+            </a:lvl8pPr>
+            <a:lvl9pPr marL="5440680" indent="-320040" algn="l" defTabSz="1280160" rtl="0" eaLnBrk="1" latinLnBrk="0" hangingPunct="1">
+              <a:spcBef>
+                <a:spcPct val="20000"/>
+              </a:spcBef>
+              <a:buFont typeface="Arial" pitchFamily="34" charset="0"/>
+              <a:buChar char="•"/>
+              <a:defRPr sz="2800" kern="1200">
+                <a:solidFill>
+                  <a:schemeClr val="tx1"/>
+                </a:solidFill>
+                <a:latin typeface="+mn-lt"/>
+                <a:ea typeface="+mn-ea"/>
+                <a:cs typeface="+mn-cs"/>
+              </a:defRPr>
+            </a:lvl9pPr>
+          </a:lstStyle>
+          <a:p>
+            <a:pPr marL="0" indent="0" algn="just">
+              <a:buNone/>
+            </a:pPr>
+            <a:r>
+              <a:rPr lang="et-EE" sz="1800" dirty="0" smtClean="0"/>
+              <a:t>Taivo Pungas</a:t>
+            </a:r>
+          </a:p>
+        </p:txBody>
+      </p:sp>
+      <p:cxnSp>
+        <p:nvCxnSpPr>
+          <p:cNvPr id="17" name="Straight Arrow Connector 16"/>
+          <p:cNvCxnSpPr/>
+          <p:nvPr/>
+        </p:nvCxnSpPr>
+        <p:spPr>
+          <a:xfrm flipV="1">
+            <a:off x="6715125" y="10363200"/>
+            <a:ext cx="734103" cy="381000"/>
+          </a:xfrm>
+          <a:prstGeom prst="straightConnector1">
+            <a:avLst/>
+          </a:prstGeom>
+          <a:ln w="50800">
+            <a:solidFill>
+              <a:schemeClr val="tx1"/>
+            </a:solidFill>
+            <a:tailEnd type="stealth" w="lg" len="lg"/>
+          </a:ln>
+        </p:spPr>
+        <p:style>
+          <a:lnRef idx="1">
+            <a:schemeClr val="accent1"/>
+          </a:lnRef>
+          <a:fillRef idx="0">
+            <a:schemeClr val="accent1"/>
+          </a:fillRef>
+          <a:effectRef idx="0">
+            <a:schemeClr val="accent1"/>
+          </a:effectRef>
+          <a:fontRef idx="minor">
+            <a:schemeClr val="tx1"/>
+          </a:fontRef>
+        </p:style>
+      </p:cxnSp>
+      <p:pic>
+        <p:nvPicPr>
+          <p:cNvPr id="1034" name="Picture 10" descr="C:\Users\dell\Google Drive\datavis\studyvis\doc\poster_files\qrcode.png"/>
+          <p:cNvPicPr>
+            <a:picLocks noChangeAspect="1" noChangeArrowheads="1"/>
+          </p:cNvPicPr>
+          <p:nvPr/>
+        </p:nvPicPr>
+        <p:blipFill>
+          <a:blip r:embed="rId7" cstate="print">
+            <a:extLst>
+              <a:ext uri="{28A0092B-C50C-407E-A947-70E740481C1C}">
+                <a14:useLocalDpi xmlns:a14="http://schemas.microsoft.com/office/drawing/2010/main" val="0"/>
+              </a:ext>
+            </a:extLst>
+          </a:blip>
+          <a:srcRect/>
+          <a:stretch>
+            <a:fillRect/>
+          </a:stretch>
+        </p:blipFill>
+        <p:spPr bwMode="auto">
+          <a:xfrm>
+            <a:off x="7449228" y="9607800"/>
+            <a:ext cx="1800000" cy="1800000"/>
+          </a:xfrm>
+          <a:prstGeom prst="rect">
+            <a:avLst/>
+          </a:prstGeom>
+          <a:noFill/>
+          <a:extLst>
+            <a:ext uri="{909E8E84-426E-40DD-AFC4-6F175D3DCCD1}">
+              <a14:hiddenFill xmlns:a14="http://schemas.microsoft.com/office/drawing/2010/main">
+                <a:solidFill>
+                  <a:srgbClr val="FFFFFF"/>
+                </a:solidFill>
+              </a14:hiddenFill>
+            </a:ext>
+          </a:extLst>
+        </p:spPr>
+      </p:pic>
+      <p:pic>
+        <p:nvPicPr>
+          <p:cNvPr id="39" name="Picture 2" descr="http://www.ut.ee/sites/default/files/it-akadeemia-logo.png"/>
+          <p:cNvPicPr>
+            <a:picLocks noChangeAspect="1" noChangeArrowheads="1"/>
+          </p:cNvPicPr>
+          <p:nvPr/>
+        </p:nvPicPr>
+        <p:blipFill>
+          <a:blip r:embed="rId8" cstate="print">
+            <a:extLst>
+              <a:ext uri="{28A0092B-C50C-407E-A947-70E740481C1C}">
+                <a14:useLocalDpi xmlns:a14="http://schemas.microsoft.com/office/drawing/2010/main" val="0"/>
+              </a:ext>
+            </a:extLst>
+          </a:blip>
+          <a:srcRect/>
+          <a:stretch>
+            <a:fillRect/>
+          </a:stretch>
+        </p:blipFill>
+        <p:spPr bwMode="auto">
+          <a:xfrm>
+            <a:off x="7543800" y="11326266"/>
+            <a:ext cx="1676400" cy="973320"/>
+          </a:xfrm>
+          <a:prstGeom prst="rect">
+            <a:avLst/>
+          </a:prstGeom>
+          <a:noFill/>
+          <a:extLst>
+            <a:ext uri="{909E8E84-426E-40DD-AFC4-6F175D3DCCD1}">
+              <a14:hiddenFill xmlns:a14="http://schemas.microsoft.com/office/drawing/2010/main">
+                <a:solidFill>
+                  <a:srgbClr val="FFFFFF"/>
+                </a:solidFill>
+              </a14:hiddenFill>
+            </a:ext>
+          </a:extLst>
+        </p:spPr>
+      </p:pic>
+    </p:spTree>
+    <p:extLst>
+      <p:ext uri="{BB962C8B-B14F-4D97-AF65-F5344CB8AC3E}">
+        <p14:creationId xmlns:p14="http://schemas.microsoft.com/office/powerpoint/2010/main" val="3712569693"/>
+      </p:ext>
+    </p:extLst>
+  </p:cSld>
+  <p:clrMapOvr>
+    <a:masterClrMapping/>
+  </p:clrMapOvr>
+</p:sld>
+</file>
+
 <file path=ppt/theme/theme1.xml><?xml version="1.0" encoding="utf-8"?>
-<a:theme xmlns:a="http://schemas.openxmlformats.org/drawingml/2006/main" name="Office Theme">
+<a:theme xmlns:a="http://schemas.openxmlformats.org/drawingml/2006/main" name="Taivo_OpenSansValge">
   <a:themeElements>
     <a:clrScheme name="Office">
       <a:dk1>
@@ -3320,4 +5335,289 @@
   <a:objectDefaults/>
   <a:extraClrSchemeLst/>
 </a:theme>
+</file>
+
+<file path=ppt/theme/theme2.xml><?xml version="1.0" encoding="utf-8"?>
+<a:theme xmlns:a="http://schemas.openxmlformats.org/drawingml/2006/main" name="Office Theme">
+  <a:themeElements>
+    <a:clrScheme name="Office">
+      <a:dk1>
+        <a:sysClr val="windowText" lastClr="000000"/>
+      </a:dk1>
+      <a:lt1>
+        <a:sysClr val="window" lastClr="FFFFFF"/>
+      </a:lt1>
+      <a:dk2>
+        <a:srgbClr val="1F497D"/>
+      </a:dk2>
+      <a:lt2>
+        <a:srgbClr val="EEECE1"/>
+      </a:lt2>
+      <a:accent1>
+        <a:srgbClr val="4F81BD"/>
+      </a:accent1>
+      <a:accent2>
+        <a:srgbClr val="C0504D"/>
+      </a:accent2>
+      <a:accent3>
+        <a:srgbClr val="9BBB59"/>
+      </a:accent3>
+      <a:accent4>
+        <a:srgbClr val="8064A2"/>
+      </a:accent4>
+      <a:accent5>
+        <a:srgbClr val="4BACC6"/>
+      </a:accent5>
+      <a:accent6>
+        <a:srgbClr val="F79646"/>
+      </a:accent6>
+      <a:hlink>
+        <a:srgbClr val="0000FF"/>
+      </a:hlink>
+      <a:folHlink>
+        <a:srgbClr val="800080"/>
+      </a:folHlink>
+    </a:clrScheme>
+    <a:fontScheme name="Office">
+      <a:majorFont>
+        <a:latin typeface="Calibri"/>
+        <a:ea typeface=""/>
+        <a:cs typeface=""/>
+        <a:font script="Jpan" typeface="ＭＳ Ｐゴシック"/>
+        <a:font script="Hang" typeface="맑은 고딕"/>
+        <a:font script="Hans" typeface="宋体"/>
+        <a:font script="Hant" typeface="新細明體"/>
+        <a:font script="Arab" typeface="Times New Roman"/>
+        <a:font script="Hebr" typeface="Times New Roman"/>
+        <a:font script="Thai" typeface="Angsana New"/>
+        <a:font script="Ethi" typeface="Nyala"/>
+        <a:font script="Beng" typeface="Vrinda"/>
+        <a:font script="Gujr" typeface="Shruti"/>
+        <a:font script="Khmr" typeface="MoolBoran"/>
+        <a:font script="Knda" typeface="Tunga"/>
+        <a:font script="Guru" typeface="Raavi"/>
+        <a:font script="Cans" typeface="Euphemia"/>
+        <a:font script="Cher" typeface="Plantagenet Cherokee"/>
+        <a:font script="Yiii" typeface="Microsoft Yi Baiti"/>
+        <a:font script="Tibt" typeface="Microsoft Himalaya"/>
+        <a:font script="Thaa" typeface="MV Boli"/>
+        <a:font script="Deva" typeface="Mangal"/>
+        <a:font script="Telu" typeface="Gautami"/>
+        <a:font script="Taml" typeface="Latha"/>
+        <a:font script="Syrc" typeface="Estrangelo Edessa"/>
+        <a:font script="Orya" typeface="Kalinga"/>
+        <a:font script="Mlym" typeface="Kartika"/>
+        <a:font script="Laoo" typeface="DokChampa"/>
+        <a:font script="Sinh" typeface="Iskoola Pota"/>
+        <a:font script="Mong" typeface="Mongolian Baiti"/>
+        <a:font script="Viet" typeface="Times New Roman"/>
+        <a:font script="Uigh" typeface="Microsoft Uighur"/>
+        <a:font script="Geor" typeface="Sylfaen"/>
+      </a:majorFont>
+      <a:minorFont>
+        <a:latin typeface="Calibri"/>
+        <a:ea typeface=""/>
+        <a:cs typeface=""/>
+        <a:font script="Jpan" typeface="ＭＳ Ｐゴシック"/>
+        <a:font script="Hang" typeface="맑은 고딕"/>
+        <a:font script="Hans" typeface="宋体"/>
+        <a:font script="Hant" typeface="新細明體"/>
+        <a:font script="Arab" typeface="Arial"/>
+        <a:font script="Hebr" typeface="Arial"/>
+        <a:font script="Thai" typeface="Cordia New"/>
+        <a:font script="Ethi" typeface="Nyala"/>
+        <a:font script="Beng" typeface="Vrinda"/>
+        <a:font script="Gujr" typeface="Shruti"/>
+        <a:font script="Khmr" typeface="DaunPenh"/>
+        <a:font script="Knda" typeface="Tunga"/>
+        <a:font script="Guru" typeface="Raavi"/>
+        <a:font script="Cans" typeface="Euphemia"/>
+        <a:font script="Cher" typeface="Plantagenet Cherokee"/>
+        <a:font script="Yiii" typeface="Microsoft Yi Baiti"/>
+        <a:font script="Tibt" typeface="Microsoft Himalaya"/>
+        <a:font script="Thaa" typeface="MV Boli"/>
+        <a:font script="Deva" typeface="Mangal"/>
+        <a:font script="Telu" typeface="Gautami"/>
+        <a:font script="Taml" typeface="Latha"/>
+        <a:font script="Syrc" typeface="Estrangelo Edessa"/>
+        <a:font script="Orya" typeface="Kalinga"/>
+        <a:font script="Mlym" typeface="Kartika"/>
+        <a:font script="Laoo" typeface="DokChampa"/>
+        <a:font script="Sinh" typeface="Iskoola Pota"/>
+        <a:font script="Mong" typeface="Mongolian Baiti"/>
+        <a:font script="Viet" typeface="Arial"/>
+        <a:font script="Uigh" typeface="Microsoft Uighur"/>
+        <a:font script="Geor" typeface="Sylfaen"/>
+      </a:minorFont>
+    </a:fontScheme>
+    <a:fmtScheme name="Office">
+      <a:fillStyleLst>
+        <a:solidFill>
+          <a:schemeClr val="phClr"/>
+        </a:solidFill>
+        <a:gradFill rotWithShape="1">
+          <a:gsLst>
+            <a:gs pos="0">
+              <a:schemeClr val="phClr">
+                <a:tint val="50000"/>
+                <a:satMod val="300000"/>
+              </a:schemeClr>
+            </a:gs>
+            <a:gs pos="35000">
+              <a:schemeClr val="phClr">
+                <a:tint val="37000"/>
+                <a:satMod val="300000"/>
+              </a:schemeClr>
+            </a:gs>
+            <a:gs pos="100000">
+              <a:schemeClr val="phClr">
+                <a:tint val="15000"/>
+                <a:satMod val="350000"/>
+              </a:schemeClr>
+            </a:gs>
+          </a:gsLst>
+          <a:lin ang="16200000" scaled="1"/>
+        </a:gradFill>
+        <a:gradFill rotWithShape="1">
+          <a:gsLst>
+            <a:gs pos="0">
+              <a:schemeClr val="phClr">
+                <a:shade val="51000"/>
+                <a:satMod val="130000"/>
+              </a:schemeClr>
+            </a:gs>
+            <a:gs pos="80000">
+              <a:schemeClr val="phClr">
+                <a:shade val="93000"/>
+                <a:satMod val="130000"/>
+              </a:schemeClr>
+            </a:gs>
+            <a:gs pos="100000">
+              <a:schemeClr val="phClr">
+                <a:shade val="94000"/>
+                <a:satMod val="135000"/>
+              </a:schemeClr>
+            </a:gs>
+          </a:gsLst>
+          <a:lin ang="16200000" scaled="0"/>
+        </a:gradFill>
+      </a:fillStyleLst>
+      <a:lnStyleLst>
+        <a:ln w="9525" cap="flat" cmpd="sng" algn="ctr">
+          <a:solidFill>
+            <a:schemeClr val="phClr">
+              <a:shade val="95000"/>
+              <a:satMod val="105000"/>
+            </a:schemeClr>
+          </a:solidFill>
+          <a:prstDash val="solid"/>
+        </a:ln>
+        <a:ln w="25400" cap="flat" cmpd="sng" algn="ctr">
+          <a:solidFill>
+            <a:schemeClr val="phClr"/>
+          </a:solidFill>
+          <a:prstDash val="solid"/>
+        </a:ln>
+        <a:ln w="38100" cap="flat" cmpd="sng" algn="ctr">
+          <a:solidFill>
+            <a:schemeClr val="phClr"/>
+          </a:solidFill>
+          <a:prstDash val="solid"/>
+        </a:ln>
+      </a:lnStyleLst>
+      <a:effectStyleLst>
+        <a:effectStyle>
+          <a:effectLst>
+            <a:outerShdw blurRad="40000" dist="20000" dir="5400000" rotWithShape="0">
+              <a:srgbClr val="000000">
+                <a:alpha val="38000"/>
+              </a:srgbClr>
+            </a:outerShdw>
+          </a:effectLst>
+        </a:effectStyle>
+        <a:effectStyle>
+          <a:effectLst>
+            <a:outerShdw blurRad="40000" dist="23000" dir="5400000" rotWithShape="0">
+              <a:srgbClr val="000000">
+                <a:alpha val="35000"/>
+              </a:srgbClr>
+            </a:outerShdw>
+          </a:effectLst>
+        </a:effectStyle>
+        <a:effectStyle>
+          <a:effectLst>
+            <a:outerShdw blurRad="40000" dist="23000" dir="5400000" rotWithShape="0">
+              <a:srgbClr val="000000">
+                <a:alpha val="35000"/>
+              </a:srgbClr>
+            </a:outerShdw>
+          </a:effectLst>
+          <a:scene3d>
+            <a:camera prst="orthographicFront">
+              <a:rot lat="0" lon="0" rev="0"/>
+            </a:camera>
+            <a:lightRig rig="threePt" dir="t">
+              <a:rot lat="0" lon="0" rev="1200000"/>
+            </a:lightRig>
+          </a:scene3d>
+          <a:sp3d>
+            <a:bevelT w="63500" h="25400"/>
+          </a:sp3d>
+        </a:effectStyle>
+      </a:effectStyleLst>
+      <a:bgFillStyleLst>
+        <a:solidFill>
+          <a:schemeClr val="phClr"/>
+        </a:solidFill>
+        <a:gradFill rotWithShape="1">
+          <a:gsLst>
+            <a:gs pos="0">
+              <a:schemeClr val="phClr">
+                <a:tint val="40000"/>
+                <a:satMod val="350000"/>
+              </a:schemeClr>
+            </a:gs>
+            <a:gs pos="40000">
+              <a:schemeClr val="phClr">
+                <a:tint val="45000"/>
+                <a:shade val="99000"/>
+                <a:satMod val="350000"/>
+              </a:schemeClr>
+            </a:gs>
+            <a:gs pos="100000">
+              <a:schemeClr val="phClr">
+                <a:shade val="20000"/>
+                <a:satMod val="255000"/>
+              </a:schemeClr>
+            </a:gs>
+          </a:gsLst>
+          <a:path path="circle">
+            <a:fillToRect l="50000" t="-80000" r="50000" b="180000"/>
+          </a:path>
+        </a:gradFill>
+        <a:gradFill rotWithShape="1">
+          <a:gsLst>
+            <a:gs pos="0">
+              <a:schemeClr val="phClr">
+                <a:tint val="80000"/>
+                <a:satMod val="300000"/>
+              </a:schemeClr>
+            </a:gs>
+            <a:gs pos="100000">
+              <a:schemeClr val="phClr">
+                <a:shade val="30000"/>
+                <a:satMod val="200000"/>
+              </a:schemeClr>
+            </a:gs>
+          </a:gsLst>
+          <a:path path="circle">
+            <a:fillToRect l="50000" t="50000" r="50000" b="50000"/>
+          </a:path>
+        </a:gradFill>
+      </a:bgFillStyleLst>
+    </a:fmtScheme>
+  </a:themeElements>
+  <a:objectDefaults/>
+  <a:extraClrSchemeLst/>
+</a:theme>
 </file>